--- a/Projeto Eco-Energy 21 (4).pptx
+++ b/Projeto Eco-Energy 21 (4).pptx
@@ -5,7 +5,7 @@
     <p:sldMasterId id="2147483695" r:id="rId1"/>
   </p:sldMasterIdLst>
   <p:notesMasterIdLst>
-    <p:notesMasterId r:id="rId8"/>
+    <p:notesMasterId r:id="rId10"/>
   </p:notesMasterIdLst>
   <p:sldIdLst>
     <p:sldId id="256" r:id="rId2"/>
@@ -14,6 +14,8 @@
     <p:sldId id="266" r:id="rId5"/>
     <p:sldId id="274" r:id="rId6"/>
     <p:sldId id="276" r:id="rId7"/>
+    <p:sldId id="278" r:id="rId8"/>
+    <p:sldId id="280" r:id="rId9"/>
   </p:sldIdLst>
   <p:sldSz cx="12192000" cy="6858000"/>
   <p:notesSz cx="6858000" cy="9144000"/>
@@ -127,6 +129,8 @@
             <p14:sldId id="266"/>
             <p14:sldId id="274"/>
             <p14:sldId id="276"/>
+            <p14:sldId id="278"/>
+            <p14:sldId id="280"/>
           </p14:sldIdLst>
         </p14:section>
       </p14:sectionLst>
@@ -231,7 +235,7 @@
           <a:p>
             <a:fld id="{55E36DBB-8C46-496E-A26A-48622405AAA7}" type="datetimeFigureOut">
               <a:rPr lang="pt-BR" smtClean="0"/>
-              <a:t>17/11/2021</a:t>
+              <a:t>24/11/2021</a:t>
             </a:fld>
             <a:endParaRPr lang="pt-BR"/>
           </a:p>
@@ -645,7 +649,7 @@
           <a:p>
             <a:fld id="{F3DE6193-CBE8-4C5C-987F-CDB24C8D5B62}" type="datetime1">
               <a:rPr lang="pt-BR" smtClean="0"/>
-              <a:t>17/11/2021</a:t>
+              <a:t>24/11/2021</a:t>
             </a:fld>
             <a:endParaRPr lang="pt-BR"/>
           </a:p>
@@ -846,7 +850,7 @@
           <a:p>
             <a:fld id="{7894697A-3DFE-4402-9AFD-9A57A0BD07BF}" type="datetime1">
               <a:rPr lang="pt-BR" smtClean="0"/>
-              <a:t>17/11/2021</a:t>
+              <a:t>24/11/2021</a:t>
             </a:fld>
             <a:endParaRPr lang="pt-BR"/>
           </a:p>
@@ -1057,7 +1061,7 @@
           <a:p>
             <a:fld id="{D6F172C2-F604-4CAE-BE7D-C568F7307E4C}" type="datetime1">
               <a:rPr lang="pt-BR" smtClean="0"/>
-              <a:t>17/11/2021</a:t>
+              <a:t>24/11/2021</a:t>
             </a:fld>
             <a:endParaRPr lang="pt-BR"/>
           </a:p>
@@ -1258,7 +1262,7 @@
           <a:p>
             <a:fld id="{1842EDEF-D5CB-4372-A830-1BFA853B82E4}" type="datetime1">
               <a:rPr lang="pt-BR" smtClean="0"/>
-              <a:t>17/11/2021</a:t>
+              <a:t>24/11/2021</a:t>
             </a:fld>
             <a:endParaRPr lang="pt-BR"/>
           </a:p>
@@ -1536,7 +1540,7 @@
           <a:p>
             <a:fld id="{C15D167B-D4B1-42AB-BD19-40EBEF9C6203}" type="datetime1">
               <a:rPr lang="pt-BR" smtClean="0"/>
-              <a:t>17/11/2021</a:t>
+              <a:t>24/11/2021</a:t>
             </a:fld>
             <a:endParaRPr lang="pt-BR"/>
           </a:p>
@@ -1804,7 +1808,7 @@
           <a:p>
             <a:fld id="{283404FE-1ECC-4F36-AB99-D7706AB70879}" type="datetime1">
               <a:rPr lang="pt-BR" smtClean="0"/>
-              <a:t>17/11/2021</a:t>
+              <a:t>24/11/2021</a:t>
             </a:fld>
             <a:endParaRPr lang="pt-BR"/>
           </a:p>
@@ -2219,7 +2223,7 @@
           <a:p>
             <a:fld id="{0FF229CB-F570-494C-9DFC-7EBB4A5B339D}" type="datetime1">
               <a:rPr lang="pt-BR" smtClean="0"/>
-              <a:t>17/11/2021</a:t>
+              <a:t>24/11/2021</a:t>
             </a:fld>
             <a:endParaRPr lang="pt-BR"/>
           </a:p>
@@ -2363,7 +2367,7 @@
           <a:p>
             <a:fld id="{C6F08C5E-054B-4EA3-9674-4A534E902D8F}" type="datetime1">
               <a:rPr lang="pt-BR" smtClean="0"/>
-              <a:t>17/11/2021</a:t>
+              <a:t>24/11/2021</a:t>
             </a:fld>
             <a:endParaRPr lang="pt-BR"/>
           </a:p>
@@ -2479,7 +2483,7 @@
           <a:p>
             <a:fld id="{389984B9-6776-4088-80F6-64EF225C67DB}" type="datetime1">
               <a:rPr lang="pt-BR" smtClean="0"/>
-              <a:t>17/11/2021</a:t>
+              <a:t>24/11/2021</a:t>
             </a:fld>
             <a:endParaRPr lang="pt-BR"/>
           </a:p>
@@ -2793,7 +2797,7 @@
           <a:p>
             <a:fld id="{7FA5DB6D-C811-492E-BC95-40D4CE7F3018}" type="datetime1">
               <a:rPr lang="pt-BR" smtClean="0"/>
-              <a:t>17/11/2021</a:t>
+              <a:t>24/11/2021</a:t>
             </a:fld>
             <a:endParaRPr lang="pt-BR"/>
           </a:p>
@@ -3084,7 +3088,7 @@
           <a:p>
             <a:fld id="{E5392231-B61B-4087-826C-A02C05EACD70}" type="datetime1">
               <a:rPr lang="pt-BR" smtClean="0"/>
-              <a:t>17/11/2021</a:t>
+              <a:t>24/11/2021</a:t>
             </a:fld>
             <a:endParaRPr lang="pt-BR"/>
           </a:p>
@@ -3328,7 +3332,7 @@
           <a:p>
             <a:fld id="{39DC2ECC-BF16-4309-A7C9-8E5201DBE712}" type="datetime1">
               <a:rPr lang="pt-BR" smtClean="0"/>
-              <a:t>17/11/2021</a:t>
+              <a:t>24/11/2021</a:t>
             </a:fld>
             <a:endParaRPr lang="pt-BR"/>
           </a:p>
@@ -4528,7 +4532,7 @@
         <p:spPr bwMode="auto">
           <a:xfrm>
             <a:off x="1073556" y="1325037"/>
-            <a:ext cx="4858999" cy="2560205"/>
+            <a:ext cx="4858999" cy="2399983"/>
           </a:xfrm>
           <a:prstGeom prst="rect">
             <a:avLst/>
@@ -4567,8 +4571,8 @@
         </p:blipFill>
         <p:spPr>
           <a:xfrm>
-            <a:off x="6259444" y="1325037"/>
-            <a:ext cx="4859000" cy="2560205"/>
+            <a:off x="6259443" y="1325037"/>
+            <a:ext cx="4859000" cy="2399983"/>
           </a:xfrm>
           <a:prstGeom prst="rect">
             <a:avLst/>
@@ -4577,10 +4581,10 @@
       </p:pic>
       <p:pic>
         <p:nvPicPr>
-          <p:cNvPr id="4102" name="Picture 6">
-            <a:extLst>
-              <a:ext uri="{FF2B5EF4-FFF2-40B4-BE49-F238E27FC236}">
-                <a16:creationId xmlns:a16="http://schemas.microsoft.com/office/drawing/2014/main" id="{D40721B1-8F26-4598-BCA0-46E37BF3535B}"/>
+          <p:cNvPr id="4104" name="Picture 8" descr="Energia eólica é obtida através da força dos ventos">
+            <a:extLst>
+              <a:ext uri="{FF2B5EF4-FFF2-40B4-BE49-F238E27FC236}">
+                <a16:creationId xmlns:a16="http://schemas.microsoft.com/office/drawing/2014/main" id="{BC0E791F-0C24-4AF8-8662-04E2B5B976E0}"/>
               </a:ext>
             </a:extLst>
           </p:cNvPr>
@@ -4604,8 +4608,8 @@
         </p:blipFill>
         <p:spPr bwMode="auto">
           <a:xfrm>
-            <a:off x="1646927" y="4041857"/>
-            <a:ext cx="4285628" cy="2256492"/>
+            <a:off x="6259443" y="4041856"/>
+            <a:ext cx="4858999" cy="2314493"/>
           </a:xfrm>
           <a:prstGeom prst="rect">
             <a:avLst/>
@@ -4624,10 +4628,10 @@
       </p:pic>
       <p:pic>
         <p:nvPicPr>
-          <p:cNvPr id="4104" name="Picture 8" descr="Energia eólica é obtida através da força dos ventos">
-            <a:extLst>
-              <a:ext uri="{FF2B5EF4-FFF2-40B4-BE49-F238E27FC236}">
-                <a16:creationId xmlns:a16="http://schemas.microsoft.com/office/drawing/2014/main" id="{BC0E791F-0C24-4AF8-8662-04E2B5B976E0}"/>
+          <p:cNvPr id="3" name="Picture 2" descr="Com reforço do Nordestão, RS pode ampliar em 13% a geração de energia eólica  na primavera | GZH">
+            <a:extLst>
+              <a:ext uri="{FF2B5EF4-FFF2-40B4-BE49-F238E27FC236}">
+                <a16:creationId xmlns:a16="http://schemas.microsoft.com/office/drawing/2014/main" id="{372DAC5C-F2CA-4A03-BD4A-1DD6C89D09B9}"/>
               </a:ext>
             </a:extLst>
           </p:cNvPr>
@@ -4651,8 +4655,8 @@
         </p:blipFill>
         <p:spPr bwMode="auto">
           <a:xfrm>
-            <a:off x="6259444" y="4041857"/>
-            <a:ext cx="4686722" cy="2262842"/>
+            <a:off x="1073556" y="4002157"/>
+            <a:ext cx="4858999" cy="2402481"/>
           </a:xfrm>
           <a:prstGeom prst="rect">
             <a:avLst/>
@@ -5289,8 +5293,8 @@
         </p:nvSpPr>
         <p:spPr>
           <a:xfrm>
-            <a:off x="760828" y="1039755"/>
-            <a:ext cx="6098344" cy="5622437"/>
+            <a:off x="676419" y="1530888"/>
+            <a:ext cx="6098344" cy="4334328"/>
           </a:xfrm>
           <a:prstGeom prst="rect">
             <a:avLst/>
@@ -5395,31 +5399,7 @@
                 <a:ea typeface="Calibri" panose="020F0502020204030204" pitchFamily="34" charset="0"/>
                 <a:cs typeface="Times New Roman" panose="02020603050405020304" pitchFamily="18" charset="0"/>
               </a:rPr>
-              <a:t>Embargo e Redirecionamento de verbas e projetos APROVADOS para criação de outros meios de geração de energia que não seja FOTOVOLTAICAS. </a:t>
-            </a:r>
-          </a:p>
-          <a:p>
-            <a:pPr marL="342900" lvl="0" indent="-342900" algn="just">
-              <a:lnSpc>
-                <a:spcPct val="107000"/>
-              </a:lnSpc>
-              <a:spcAft>
-                <a:spcPts val="800"/>
-              </a:spcAft>
-              <a:buFont typeface="+mj-lt"/>
-              <a:buAutoNum type="arabicParenR"/>
-              <a:tabLst>
-                <a:tab pos="457200" algn="l"/>
-              </a:tabLst>
-            </a:pPr>
-            <a:r>
-              <a:rPr lang="pt-BR" sz="2400" dirty="0">
-                <a:effectLst/>
-                <a:latin typeface="Calibri" panose="020F0502020204030204" pitchFamily="34" charset="0"/>
-                <a:ea typeface="Calibri" panose="020F0502020204030204" pitchFamily="34" charset="0"/>
-                <a:cs typeface="Times New Roman" panose="02020603050405020304" pitchFamily="18" charset="0"/>
-              </a:rPr>
-              <a:t>Estudos de Engajamento/migração das distribuidoras de energia, á implementação das Usinas FOTOVOLTAICAS.</a:t>
+              <a:t>Embargo e Redirecionamento de verbas de projetos de geração de energia, APROVADOS, que não seja convergentes  com Energia Limpa. </a:t>
             </a:r>
           </a:p>
         </p:txBody>
@@ -5618,7 +5598,12 @@
             <p:ph type="title"/>
           </p:nvPr>
         </p:nvSpPr>
-        <p:spPr/>
+        <p:spPr>
+          <a:xfrm>
+            <a:off x="1036983" y="0"/>
+            <a:ext cx="10515600" cy="1325563"/>
+          </a:xfrm>
+        </p:spPr>
         <p:txBody>
           <a:bodyPr/>
           <a:lstStyle/>
@@ -5653,36 +5638,47 @@
         </p:nvSpPr>
         <p:spPr>
           <a:xfrm>
-            <a:off x="639417" y="1573833"/>
-            <a:ext cx="5456583" cy="4351338"/>
+            <a:off x="506896" y="1593576"/>
+            <a:ext cx="5787887" cy="5154749"/>
           </a:xfrm>
         </p:spPr>
         <p:txBody>
-          <a:bodyPr/>
-          <a:lstStyle/>
-          <a:p>
-            <a:pPr marL="0" indent="0">
+          <a:bodyPr>
+            <a:normAutofit/>
+          </a:bodyPr>
+          <a:lstStyle/>
+          <a:p>
+            <a:pPr marL="0" indent="0" algn="just">
               <a:buNone/>
             </a:pPr>
             <a:r>
               <a:rPr lang="pt-BR" sz="2400" dirty="0"/>
-              <a:t>6)  Incentivo a criação de cooperativa para as micro usinas;</a:t>
-            </a:r>
-          </a:p>
-          <a:p>
-            <a:pPr marL="0" indent="0">
+              <a:t>5) </a:t>
+            </a:r>
+            <a:r>
+              <a:rPr lang="pt-BR" sz="2400" dirty="0">
+                <a:effectLst/>
+                <a:latin typeface="Calibri" panose="020F0502020204030204" pitchFamily="34" charset="0"/>
+                <a:ea typeface="Calibri" panose="020F0502020204030204" pitchFamily="34" charset="0"/>
+                <a:cs typeface="Times New Roman" panose="02020603050405020304" pitchFamily="18" charset="0"/>
+              </a:rPr>
+              <a:t>Estudos de Engajamento/Migração das distribuidoras de energia, ao plano de  implementação das Usinas FOTOVOLTAICAS.</a:t>
+            </a:r>
+          </a:p>
+          <a:p>
+            <a:pPr marL="0" indent="0" algn="just">
               <a:buNone/>
             </a:pPr>
+            <a:endParaRPr lang="pt-BR" sz="2400" dirty="0"/>
+          </a:p>
+          <a:p>
+            <a:pPr marL="0" indent="0" algn="just">
+              <a:buNone/>
+            </a:pPr>
             <a:r>
               <a:rPr lang="pt-BR" sz="2400" dirty="0"/>
-              <a:t>7)  Placas fotovoltaicas em postos de combustível;</a:t>
-            </a:r>
-          </a:p>
-          <a:p>
-            <a:pPr marL="0" indent="0">
-              <a:buNone/>
-            </a:pPr>
-            <a:endParaRPr lang="pt-BR" dirty="0"/>
+              <a:t>6) Incentivo a criação de cooperativas  (micro usinas) principalmente no meio rural abastecidos ou não pelo meio de distribuição atual;</a:t>
+            </a:r>
           </a:p>
         </p:txBody>
       </p:sp>
@@ -5772,8 +5768,8 @@
         </p:blipFill>
         <p:spPr bwMode="auto">
           <a:xfrm>
-            <a:off x="6294783" y="1573833"/>
-            <a:ext cx="5519666" cy="3674028"/>
+            <a:off x="6546574" y="1573833"/>
+            <a:ext cx="5267874" cy="3546966"/>
           </a:xfrm>
           <a:prstGeom prst="rect">
             <a:avLst/>
@@ -5794,6 +5790,493 @@
     <p:extLst>
       <p:ext uri="{BB962C8B-B14F-4D97-AF65-F5344CB8AC3E}">
         <p14:creationId xmlns:p14="http://schemas.microsoft.com/office/powerpoint/2010/main" val="209356195"/>
+      </p:ext>
+    </p:extLst>
+  </p:cSld>
+  <p:clrMapOvr>
+    <a:masterClrMapping/>
+  </p:clrMapOvr>
+</p:sld>
+</file>
+
+<file path=ppt/slides/slide7.xml><?xml version="1.0" encoding="utf-8"?>
+<p:sld xmlns:a="http://schemas.openxmlformats.org/drawingml/2006/main" xmlns:r="http://schemas.openxmlformats.org/officeDocument/2006/relationships" xmlns:p="http://schemas.openxmlformats.org/presentationml/2006/main">
+  <p:cSld>
+    <p:spTree>
+      <p:nvGrpSpPr>
+        <p:cNvPr id="1" name=""/>
+        <p:cNvGrpSpPr/>
+        <p:nvPr/>
+      </p:nvGrpSpPr>
+      <p:grpSpPr>
+        <a:xfrm>
+          <a:off x="0" y="0"/>
+          <a:ext cx="0" cy="0"/>
+          <a:chOff x="0" y="0"/>
+          <a:chExt cx="0" cy="0"/>
+        </a:xfrm>
+      </p:grpSpPr>
+      <p:sp>
+        <p:nvSpPr>
+          <p:cNvPr id="2" name="Título 1">
+            <a:extLst>
+              <a:ext uri="{FF2B5EF4-FFF2-40B4-BE49-F238E27FC236}">
+                <a16:creationId xmlns:a16="http://schemas.microsoft.com/office/drawing/2014/main" id="{8EFE5974-0F00-4DD4-9055-1C2196E7A429}"/>
+              </a:ext>
+            </a:extLst>
+          </p:cNvPr>
+          <p:cNvSpPr>
+            <a:spLocks noGrp="1"/>
+          </p:cNvSpPr>
+          <p:nvPr>
+            <p:ph type="title"/>
+          </p:nvPr>
+        </p:nvSpPr>
+        <p:spPr>
+          <a:xfrm>
+            <a:off x="1036983" y="0"/>
+            <a:ext cx="10515600" cy="1325563"/>
+          </a:xfrm>
+        </p:spPr>
+        <p:txBody>
+          <a:bodyPr/>
+          <a:lstStyle/>
+          <a:p>
+            <a:pPr algn="ctr"/>
+            <a:r>
+              <a:rPr lang="en-US" sz="4400" b="1" dirty="0">
+                <a:latin typeface="Arial Black"/>
+                <a:sym typeface="Arial Black"/>
+              </a:rPr>
+              <a:t>PROPOSTA</a:t>
+            </a:r>
+            <a:endParaRPr lang="pt-BR" dirty="0"/>
+          </a:p>
+        </p:txBody>
+      </p:sp>
+      <p:sp>
+        <p:nvSpPr>
+          <p:cNvPr id="3" name="Espaço Reservado para Conteúdo 2">
+            <a:extLst>
+              <a:ext uri="{FF2B5EF4-FFF2-40B4-BE49-F238E27FC236}">
+                <a16:creationId xmlns:a16="http://schemas.microsoft.com/office/drawing/2014/main" id="{A05D8887-3788-4987-A89F-414F4256F83D}"/>
+              </a:ext>
+            </a:extLst>
+          </p:cNvPr>
+          <p:cNvSpPr>
+            <a:spLocks noGrp="1"/>
+          </p:cNvSpPr>
+          <p:nvPr>
+            <p:ph idx="1"/>
+          </p:nvPr>
+        </p:nvSpPr>
+        <p:spPr>
+          <a:xfrm>
+            <a:off x="506896" y="1421433"/>
+            <a:ext cx="5787887" cy="5436567"/>
+          </a:xfrm>
+        </p:spPr>
+        <p:txBody>
+          <a:bodyPr>
+            <a:normAutofit/>
+          </a:bodyPr>
+          <a:lstStyle/>
+          <a:p>
+            <a:pPr marL="0" indent="0" algn="just">
+              <a:buNone/>
+            </a:pPr>
+            <a:r>
+              <a:rPr lang="pt-BR" sz="2400" dirty="0"/>
+              <a:t>7) Incentivo a criação de micro usinas residenciais nos meios urbano ate que seja permeado em abrangência toda a população;</a:t>
+            </a:r>
+          </a:p>
+          <a:p>
+            <a:pPr marL="0" indent="0" algn="just">
+              <a:buNone/>
+            </a:pPr>
+            <a:endParaRPr lang="pt-BR" sz="2400" dirty="0"/>
+          </a:p>
+          <a:p>
+            <a:pPr marL="0" indent="0" algn="just">
+              <a:buNone/>
+            </a:pPr>
+            <a:r>
+              <a:rPr lang="pt-BR" sz="2400" dirty="0"/>
+              <a:t>8) Incentivo a criação de “Estações de Abastecimentos” municipais ou mesmo implementados pelos nossos conhecidos Postos de Combustíveis, atendendo a demanda já existente dos carros elétricos;</a:t>
+            </a:r>
+          </a:p>
+          <a:p>
+            <a:pPr marL="0" indent="0" algn="just">
+              <a:buNone/>
+            </a:pPr>
+            <a:endParaRPr lang="pt-BR" dirty="0"/>
+          </a:p>
+        </p:txBody>
+      </p:sp>
+      <p:sp>
+        <p:nvSpPr>
+          <p:cNvPr id="4" name="Espaço Reservado para Rodapé 3">
+            <a:extLst>
+              <a:ext uri="{FF2B5EF4-FFF2-40B4-BE49-F238E27FC236}">
+                <a16:creationId xmlns:a16="http://schemas.microsoft.com/office/drawing/2014/main" id="{0FC2715D-25C8-483D-83DB-3B15DE8E6A51}"/>
+              </a:ext>
+            </a:extLst>
+          </p:cNvPr>
+          <p:cNvSpPr>
+            <a:spLocks noGrp="1"/>
+          </p:cNvSpPr>
+          <p:nvPr>
+            <p:ph type="ftr" sz="quarter" idx="11"/>
+          </p:nvPr>
+        </p:nvSpPr>
+        <p:spPr/>
+        <p:txBody>
+          <a:bodyPr/>
+          <a:lstStyle/>
+          <a:p>
+            <a:r>
+              <a:rPr lang="pt-BR"/>
+              <a:t>Grupo Eco Energy</a:t>
+            </a:r>
+          </a:p>
+        </p:txBody>
+      </p:sp>
+      <p:sp>
+        <p:nvSpPr>
+          <p:cNvPr id="5" name="Espaço Reservado para Número de Slide 4">
+            <a:extLst>
+              <a:ext uri="{FF2B5EF4-FFF2-40B4-BE49-F238E27FC236}">
+                <a16:creationId xmlns:a16="http://schemas.microsoft.com/office/drawing/2014/main" id="{150EEAF6-26AA-4B14-AFEF-B9CD1922028F}"/>
+              </a:ext>
+            </a:extLst>
+          </p:cNvPr>
+          <p:cNvSpPr>
+            <a:spLocks noGrp="1"/>
+          </p:cNvSpPr>
+          <p:nvPr>
+            <p:ph type="sldNum" sz="quarter" idx="12"/>
+          </p:nvPr>
+        </p:nvSpPr>
+        <p:spPr/>
+        <p:txBody>
+          <a:bodyPr/>
+          <a:lstStyle/>
+          <a:p>
+            <a:fld id="{24F432EC-2972-46C7-97C1-1EB75B8CBA8A}" type="slidenum">
+              <a:rPr lang="pt-BR" smtClean="0"/>
+              <a:t>7</a:t>
+            </a:fld>
+            <a:endParaRPr lang="pt-BR"/>
+          </a:p>
+        </p:txBody>
+      </p:sp>
+      <p:pic>
+        <p:nvPicPr>
+          <p:cNvPr id="6148" name="Picture 4" descr="Projeto que quer taxar energia solar chega à Câmara dos Deputados">
+            <a:extLst>
+              <a:ext uri="{FF2B5EF4-FFF2-40B4-BE49-F238E27FC236}">
+                <a16:creationId xmlns:a16="http://schemas.microsoft.com/office/drawing/2014/main" id="{8B65043F-9A87-4E75-9124-7018076A72DD}"/>
+              </a:ext>
+            </a:extLst>
+          </p:cNvPr>
+          <p:cNvPicPr>
+            <a:picLocks noChangeAspect="1" noChangeArrowheads="1"/>
+          </p:cNvPicPr>
+          <p:nvPr/>
+        </p:nvPicPr>
+        <p:blipFill>
+          <a:blip r:embed="rId2">
+            <a:extLst>
+              <a:ext uri="{28A0092B-C50C-407E-A947-70E740481C1C}">
+                <a14:useLocalDpi xmlns:a14="http://schemas.microsoft.com/office/drawing/2010/main" val="0"/>
+              </a:ext>
+            </a:extLst>
+          </a:blip>
+          <a:srcRect/>
+          <a:stretch>
+            <a:fillRect/>
+          </a:stretch>
+        </p:blipFill>
+        <p:spPr bwMode="auto">
+          <a:xfrm>
+            <a:off x="6546574" y="1573833"/>
+            <a:ext cx="5267874" cy="3546966"/>
+          </a:xfrm>
+          <a:prstGeom prst="rect">
+            <a:avLst/>
+          </a:prstGeom>
+          <a:noFill/>
+          <a:extLst>
+            <a:ext uri="{909E8E84-426E-40DD-AFC4-6F175D3DCCD1}">
+              <a14:hiddenFill xmlns:a14="http://schemas.microsoft.com/office/drawing/2010/main">
+                <a:solidFill>
+                  <a:srgbClr val="FFFFFF"/>
+                </a:solidFill>
+              </a14:hiddenFill>
+            </a:ext>
+          </a:extLst>
+        </p:spPr>
+      </p:pic>
+    </p:spTree>
+    <p:extLst>
+      <p:ext uri="{BB962C8B-B14F-4D97-AF65-F5344CB8AC3E}">
+        <p14:creationId xmlns:p14="http://schemas.microsoft.com/office/powerpoint/2010/main" val="1921465352"/>
+      </p:ext>
+    </p:extLst>
+  </p:cSld>
+  <p:clrMapOvr>
+    <a:masterClrMapping/>
+  </p:clrMapOvr>
+</p:sld>
+</file>
+
+<file path=ppt/slides/slide8.xml><?xml version="1.0" encoding="utf-8"?>
+<p:sld xmlns:a="http://schemas.openxmlformats.org/drawingml/2006/main" xmlns:r="http://schemas.openxmlformats.org/officeDocument/2006/relationships" xmlns:p="http://schemas.openxmlformats.org/presentationml/2006/main">
+  <p:cSld>
+    <p:spTree>
+      <p:nvGrpSpPr>
+        <p:cNvPr id="1" name=""/>
+        <p:cNvGrpSpPr/>
+        <p:nvPr/>
+      </p:nvGrpSpPr>
+      <p:grpSpPr>
+        <a:xfrm>
+          <a:off x="0" y="0"/>
+          <a:ext cx="0" cy="0"/>
+          <a:chOff x="0" y="0"/>
+          <a:chExt cx="0" cy="0"/>
+        </a:xfrm>
+      </p:grpSpPr>
+      <p:sp>
+        <p:nvSpPr>
+          <p:cNvPr id="2" name="Título 1">
+            <a:extLst>
+              <a:ext uri="{FF2B5EF4-FFF2-40B4-BE49-F238E27FC236}">
+                <a16:creationId xmlns:a16="http://schemas.microsoft.com/office/drawing/2014/main" id="{8EFE5974-0F00-4DD4-9055-1C2196E7A429}"/>
+              </a:ext>
+            </a:extLst>
+          </p:cNvPr>
+          <p:cNvSpPr>
+            <a:spLocks noGrp="1"/>
+          </p:cNvSpPr>
+          <p:nvPr>
+            <p:ph type="title"/>
+          </p:nvPr>
+        </p:nvSpPr>
+        <p:spPr>
+          <a:xfrm>
+            <a:off x="1036983" y="0"/>
+            <a:ext cx="10515600" cy="1325563"/>
+          </a:xfrm>
+        </p:spPr>
+        <p:txBody>
+          <a:bodyPr/>
+          <a:lstStyle/>
+          <a:p>
+            <a:pPr algn="ctr"/>
+            <a:r>
+              <a:rPr lang="en-US" b="1" dirty="0">
+                <a:latin typeface="Arial Black"/>
+                <a:sym typeface="Arial Black"/>
+              </a:rPr>
+              <a:t>SOFTWARE</a:t>
+            </a:r>
+            <a:endParaRPr lang="pt-BR" dirty="0"/>
+          </a:p>
+        </p:txBody>
+      </p:sp>
+      <p:sp>
+        <p:nvSpPr>
+          <p:cNvPr id="3" name="Espaço Reservado para Conteúdo 2">
+            <a:extLst>
+              <a:ext uri="{FF2B5EF4-FFF2-40B4-BE49-F238E27FC236}">
+                <a16:creationId xmlns:a16="http://schemas.microsoft.com/office/drawing/2014/main" id="{A05D8887-3788-4987-A89F-414F4256F83D}"/>
+              </a:ext>
+            </a:extLst>
+          </p:cNvPr>
+          <p:cNvSpPr>
+            <a:spLocks noGrp="1"/>
+          </p:cNvSpPr>
+          <p:nvPr>
+            <p:ph idx="1"/>
+          </p:nvPr>
+        </p:nvSpPr>
+        <p:spPr>
+          <a:xfrm>
+            <a:off x="506896" y="1421433"/>
+            <a:ext cx="5787887" cy="5436567"/>
+          </a:xfrm>
+        </p:spPr>
+        <p:txBody>
+          <a:bodyPr>
+            <a:normAutofit/>
+          </a:bodyPr>
+          <a:lstStyle/>
+          <a:p>
+            <a:pPr algn="just"/>
+            <a:r>
+              <a:rPr lang="pt-BR" sz="2400" dirty="0"/>
+              <a:t>Analisar onde há maior incidência de raios solares;</a:t>
+            </a:r>
+          </a:p>
+          <a:p>
+            <a:pPr algn="just"/>
+            <a:r>
+              <a:rPr lang="pt-BR" sz="2400" dirty="0"/>
+              <a:t>Análise em quais locais teria uma viabilidade maior a instalação das placas;</a:t>
+            </a:r>
+          </a:p>
+          <a:p>
+            <a:pPr algn="just"/>
+            <a:r>
+              <a:rPr lang="pt-BR" sz="2400" dirty="0"/>
+              <a:t>Sistema em </a:t>
+            </a:r>
+            <a:r>
+              <a:rPr lang="pt-BR" sz="2400" dirty="0" err="1"/>
+              <a:t>dekstop</a:t>
+            </a:r>
+            <a:r>
+              <a:rPr lang="pt-BR" sz="2400" dirty="0"/>
+              <a:t>, mobile e um site;</a:t>
+            </a:r>
+          </a:p>
+          <a:p>
+            <a:pPr algn="just"/>
+            <a:r>
+              <a:rPr lang="pt-BR" sz="2400" dirty="0"/>
+              <a:t>O software será capaz de direcionar o ângulo das placas e monitoramento dos quilowatts de energia gerada, sendo possível gerar relatórios;</a:t>
+            </a:r>
+          </a:p>
+          <a:p>
+            <a:pPr algn="just"/>
+            <a:r>
+              <a:rPr lang="pt-BR" sz="2400" dirty="0"/>
+              <a:t>Informações qualidade e preço das placas em alta no mercado;</a:t>
+            </a:r>
+          </a:p>
+          <a:p>
+            <a:pPr algn="just"/>
+            <a:endParaRPr lang="pt-BR" sz="2400" dirty="0"/>
+          </a:p>
+          <a:p>
+            <a:pPr algn="just"/>
+            <a:endParaRPr lang="pt-BR" sz="2400" dirty="0"/>
+          </a:p>
+          <a:p>
+            <a:pPr algn="just"/>
+            <a:endParaRPr lang="pt-BR" sz="2400" dirty="0"/>
+          </a:p>
+        </p:txBody>
+      </p:sp>
+      <p:sp>
+        <p:nvSpPr>
+          <p:cNvPr id="4" name="Espaço Reservado para Rodapé 3">
+            <a:extLst>
+              <a:ext uri="{FF2B5EF4-FFF2-40B4-BE49-F238E27FC236}">
+                <a16:creationId xmlns:a16="http://schemas.microsoft.com/office/drawing/2014/main" id="{0FC2715D-25C8-483D-83DB-3B15DE8E6A51}"/>
+              </a:ext>
+            </a:extLst>
+          </p:cNvPr>
+          <p:cNvSpPr>
+            <a:spLocks noGrp="1"/>
+          </p:cNvSpPr>
+          <p:nvPr>
+            <p:ph type="ftr" sz="quarter" idx="11"/>
+          </p:nvPr>
+        </p:nvSpPr>
+        <p:spPr/>
+        <p:txBody>
+          <a:bodyPr/>
+          <a:lstStyle/>
+          <a:p>
+            <a:r>
+              <a:rPr lang="pt-BR"/>
+              <a:t>Grupo Eco Energy</a:t>
+            </a:r>
+          </a:p>
+        </p:txBody>
+      </p:sp>
+      <p:sp>
+        <p:nvSpPr>
+          <p:cNvPr id="5" name="Espaço Reservado para Número de Slide 4">
+            <a:extLst>
+              <a:ext uri="{FF2B5EF4-FFF2-40B4-BE49-F238E27FC236}">
+                <a16:creationId xmlns:a16="http://schemas.microsoft.com/office/drawing/2014/main" id="{150EEAF6-26AA-4B14-AFEF-B9CD1922028F}"/>
+              </a:ext>
+            </a:extLst>
+          </p:cNvPr>
+          <p:cNvSpPr>
+            <a:spLocks noGrp="1"/>
+          </p:cNvSpPr>
+          <p:nvPr>
+            <p:ph type="sldNum" sz="quarter" idx="12"/>
+          </p:nvPr>
+        </p:nvSpPr>
+        <p:spPr/>
+        <p:txBody>
+          <a:bodyPr/>
+          <a:lstStyle/>
+          <a:p>
+            <a:fld id="{24F432EC-2972-46C7-97C1-1EB75B8CBA8A}" type="slidenum">
+              <a:rPr lang="pt-BR" smtClean="0"/>
+              <a:t>8</a:t>
+            </a:fld>
+            <a:endParaRPr lang="pt-BR"/>
+          </a:p>
+        </p:txBody>
+      </p:sp>
+      <p:pic>
+        <p:nvPicPr>
+          <p:cNvPr id="8" name="Picture 2" descr="Software de monitoramento - StecaGrid Portal - Steca - para central de  energia solar">
+            <a:extLst>
+              <a:ext uri="{FF2B5EF4-FFF2-40B4-BE49-F238E27FC236}">
+                <a16:creationId xmlns:a16="http://schemas.microsoft.com/office/drawing/2014/main" id="{05A7E793-BC38-4BE8-B430-AC7D94DB3C75}"/>
+              </a:ext>
+            </a:extLst>
+          </p:cNvPr>
+          <p:cNvPicPr>
+            <a:picLocks noChangeAspect="1" noChangeArrowheads="1"/>
+          </p:cNvPicPr>
+          <p:nvPr/>
+        </p:nvPicPr>
+        <p:blipFill>
+          <a:blip r:embed="rId2">
+            <a:extLst>
+              <a:ext uri="{28A0092B-C50C-407E-A947-70E740481C1C}">
+                <a14:useLocalDpi xmlns:a14="http://schemas.microsoft.com/office/drawing/2010/main" val="0"/>
+              </a:ext>
+            </a:extLst>
+          </a:blip>
+          <a:srcRect/>
+          <a:stretch>
+            <a:fillRect/>
+          </a:stretch>
+        </p:blipFill>
+        <p:spPr bwMode="auto">
+          <a:xfrm>
+            <a:off x="6755296" y="1325563"/>
+            <a:ext cx="5091526" cy="4638946"/>
+          </a:xfrm>
+          <a:prstGeom prst="rect">
+            <a:avLst/>
+          </a:prstGeom>
+          <a:noFill/>
+          <a:extLst>
+            <a:ext uri="{909E8E84-426E-40DD-AFC4-6F175D3DCCD1}">
+              <a14:hiddenFill xmlns:a14="http://schemas.microsoft.com/office/drawing/2010/main">
+                <a:solidFill>
+                  <a:srgbClr val="FFFFFF"/>
+                </a:solidFill>
+              </a14:hiddenFill>
+            </a:ext>
+          </a:extLst>
+        </p:spPr>
+      </p:pic>
+    </p:spTree>
+    <p:extLst>
+      <p:ext uri="{BB962C8B-B14F-4D97-AF65-F5344CB8AC3E}">
+        <p14:creationId xmlns:p14="http://schemas.microsoft.com/office/powerpoint/2010/main" val="3616684369"/>
       </p:ext>
     </p:extLst>
   </p:cSld>

--- a/Projeto Eco-Energy 21 (4).pptx
+++ b/Projeto Eco-Energy 21 (4).pptx
@@ -5,17 +5,18 @@
     <p:sldMasterId id="2147483695" r:id="rId1"/>
   </p:sldMasterIdLst>
   <p:notesMasterIdLst>
-    <p:notesMasterId r:id="rId10"/>
+    <p:notesMasterId r:id="rId11"/>
   </p:notesMasterIdLst>
   <p:sldIdLst>
     <p:sldId id="256" r:id="rId2"/>
-    <p:sldId id="257" r:id="rId3"/>
-    <p:sldId id="261" r:id="rId4"/>
-    <p:sldId id="266" r:id="rId5"/>
+    <p:sldId id="266" r:id="rId3"/>
+    <p:sldId id="257" r:id="rId4"/>
+    <p:sldId id="261" r:id="rId5"/>
     <p:sldId id="274" r:id="rId6"/>
     <p:sldId id="276" r:id="rId7"/>
     <p:sldId id="278" r:id="rId8"/>
     <p:sldId id="280" r:id="rId9"/>
+    <p:sldId id="281" r:id="rId10"/>
   </p:sldIdLst>
   <p:sldSz cx="12192000" cy="6858000"/>
   <p:notesSz cx="6858000" cy="9144000"/>
@@ -120,17 +121,18 @@
         <p14:section name="Seção Padrão" id="{EE75DADE-1247-4DDE-9FDB-F4CD86E65640}">
           <p14:sldIdLst>
             <p14:sldId id="256"/>
+            <p14:sldId id="266"/>
             <p14:sldId id="257"/>
           </p14:sldIdLst>
         </p14:section>
         <p14:section name="Seção sem Título" id="{31D4B046-46A2-44F1-B325-B3B041ED2C89}">
           <p14:sldIdLst>
             <p14:sldId id="261"/>
-            <p14:sldId id="266"/>
             <p14:sldId id="274"/>
             <p14:sldId id="276"/>
             <p14:sldId id="278"/>
             <p14:sldId id="280"/>
+            <p14:sldId id="281"/>
           </p14:sldIdLst>
         </p14:section>
       </p14:sectionLst>
@@ -3942,6 +3944,346 @@
       </p:grpSpPr>
       <p:sp>
         <p:nvSpPr>
+          <p:cNvPr id="3" name="CaixaDeTexto 2">
+            <a:extLst>
+              <a:ext uri="{FF2B5EF4-FFF2-40B4-BE49-F238E27FC236}">
+                <a16:creationId xmlns:a16="http://schemas.microsoft.com/office/drawing/2014/main" id="{C4E4B2FD-EA94-46F9-8957-15BE8504D9BB}"/>
+              </a:ext>
+            </a:extLst>
+          </p:cNvPr>
+          <p:cNvSpPr txBox="1"/>
+          <p:nvPr/>
+        </p:nvSpPr>
+        <p:spPr>
+          <a:xfrm>
+            <a:off x="970670" y="136525"/>
+            <a:ext cx="9847385" cy="1384995"/>
+          </a:xfrm>
+          <a:prstGeom prst="rect">
+            <a:avLst/>
+          </a:prstGeom>
+          <a:noFill/>
+        </p:spPr>
+        <p:txBody>
+          <a:bodyPr wrap="square">
+            <a:spAutoFit/>
+          </a:bodyPr>
+          <a:lstStyle/>
+          <a:p>
+            <a:pPr algn="ctr"/>
+            <a:r>
+              <a:rPr lang="en-US" sz="2800" b="1" dirty="0">
+                <a:latin typeface="Arial Black"/>
+                <a:sym typeface="Arial Black"/>
+              </a:rPr>
+              <a:t>PROJETO</a:t>
+            </a:r>
+          </a:p>
+          <a:p>
+            <a:pPr algn="ctr"/>
+            <a:r>
+              <a:rPr lang="pt-BR" sz="2800" b="1" i="0" u="none" dirty="0">
+                <a:latin typeface="Arial"/>
+                <a:ea typeface="Arial"/>
+                <a:cs typeface="Arial"/>
+                <a:sym typeface="Arial"/>
+              </a:rPr>
+              <a:t>Usinas Fotovoltaicas - </a:t>
+            </a:r>
+            <a:r>
+              <a:rPr lang="pt-BR" sz="2800" b="1" dirty="0"/>
+              <a:t>Energia limpa, sustentável e acessível</a:t>
+            </a:r>
+            <a:endParaRPr lang="pt-BR" sz="3600" b="1" dirty="0"/>
+          </a:p>
+          <a:p>
+            <a:pPr algn="ctr"/>
+            <a:endParaRPr lang="pt-BR" sz="2800" dirty="0"/>
+          </a:p>
+        </p:txBody>
+      </p:sp>
+      <p:sp>
+        <p:nvSpPr>
+          <p:cNvPr id="6" name="Espaço Reservado para Rodapé 5">
+            <a:extLst>
+              <a:ext uri="{FF2B5EF4-FFF2-40B4-BE49-F238E27FC236}">
+                <a16:creationId xmlns:a16="http://schemas.microsoft.com/office/drawing/2014/main" id="{88955371-7B1B-4F45-8E0F-2D8778641381}"/>
+              </a:ext>
+            </a:extLst>
+          </p:cNvPr>
+          <p:cNvSpPr>
+            <a:spLocks noGrp="1"/>
+          </p:cNvSpPr>
+          <p:nvPr>
+            <p:ph type="ftr" sz="quarter" idx="11"/>
+          </p:nvPr>
+        </p:nvSpPr>
+        <p:spPr/>
+        <p:txBody>
+          <a:bodyPr/>
+          <a:lstStyle/>
+          <a:p>
+            <a:r>
+              <a:rPr lang="pt-BR" sz="1600" dirty="0">
+                <a:solidFill>
+                  <a:schemeClr val="tx1"/>
+                </a:solidFill>
+              </a:rPr>
+              <a:t>Grupo Eco Energy-21</a:t>
+            </a:r>
+          </a:p>
+        </p:txBody>
+      </p:sp>
+      <p:sp>
+        <p:nvSpPr>
+          <p:cNvPr id="8" name="Espaço Reservado para Número de Slide 7">
+            <a:extLst>
+              <a:ext uri="{FF2B5EF4-FFF2-40B4-BE49-F238E27FC236}">
+                <a16:creationId xmlns:a16="http://schemas.microsoft.com/office/drawing/2014/main" id="{273E7CE3-7453-4B12-99B7-327A5F637046}"/>
+              </a:ext>
+            </a:extLst>
+          </p:cNvPr>
+          <p:cNvSpPr>
+            <a:spLocks noGrp="1"/>
+          </p:cNvSpPr>
+          <p:nvPr>
+            <p:ph type="sldNum" sz="quarter" idx="12"/>
+          </p:nvPr>
+        </p:nvSpPr>
+        <p:spPr/>
+        <p:txBody>
+          <a:bodyPr/>
+          <a:lstStyle/>
+          <a:p>
+            <a:fld id="{24F432EC-2972-46C7-97C1-1EB75B8CBA8A}" type="slidenum">
+              <a:rPr lang="pt-BR" sz="2500" smtClean="0">
+                <a:solidFill>
+                  <a:schemeClr val="tx1"/>
+                </a:solidFill>
+              </a:rPr>
+              <a:t>2</a:t>
+            </a:fld>
+            <a:endParaRPr lang="pt-BR" sz="2500">
+              <a:solidFill>
+                <a:schemeClr val="tx1"/>
+              </a:solidFill>
+            </a:endParaRPr>
+          </a:p>
+        </p:txBody>
+      </p:sp>
+      <p:pic>
+        <p:nvPicPr>
+          <p:cNvPr id="3074" name="Picture 2" descr="Você sabe como funcionam as parcerias entre empresas?">
+            <a:extLst>
+              <a:ext uri="{FF2B5EF4-FFF2-40B4-BE49-F238E27FC236}">
+                <a16:creationId xmlns:a16="http://schemas.microsoft.com/office/drawing/2014/main" id="{97A6FE06-8228-49DE-9AE4-06CCDC54C135}"/>
+              </a:ext>
+            </a:extLst>
+          </p:cNvPr>
+          <p:cNvPicPr>
+            <a:picLocks noChangeAspect="1" noChangeArrowheads="1"/>
+          </p:cNvPicPr>
+          <p:nvPr/>
+        </p:nvPicPr>
+        <p:blipFill>
+          <a:blip r:embed="rId2">
+            <a:extLst>
+              <a:ext uri="{28A0092B-C50C-407E-A947-70E740481C1C}">
+                <a14:useLocalDpi xmlns:a14="http://schemas.microsoft.com/office/drawing/2010/main" val="0"/>
+              </a:ext>
+            </a:extLst>
+          </a:blip>
+          <a:srcRect/>
+          <a:stretch>
+            <a:fillRect/>
+          </a:stretch>
+        </p:blipFill>
+        <p:spPr bwMode="auto">
+          <a:xfrm>
+            <a:off x="6933796" y="1256111"/>
+            <a:ext cx="4287534" cy="2853159"/>
+          </a:xfrm>
+          <a:prstGeom prst="rect">
+            <a:avLst/>
+          </a:prstGeom>
+          <a:noFill/>
+          <a:extLst>
+            <a:ext uri="{909E8E84-426E-40DD-AFC4-6F175D3DCCD1}">
+              <a14:hiddenFill xmlns:a14="http://schemas.microsoft.com/office/drawing/2010/main">
+                <a:solidFill>
+                  <a:srgbClr val="FFFFFF"/>
+                </a:solidFill>
+              </a14:hiddenFill>
+            </a:ext>
+          </a:extLst>
+        </p:spPr>
+      </p:pic>
+      <p:sp>
+        <p:nvSpPr>
+          <p:cNvPr id="10" name="CaixaDeTexto 9">
+            <a:extLst>
+              <a:ext uri="{FF2B5EF4-FFF2-40B4-BE49-F238E27FC236}">
+                <a16:creationId xmlns:a16="http://schemas.microsoft.com/office/drawing/2014/main" id="{4B1C4A13-D8DA-474D-96C1-815569F9D6E0}"/>
+              </a:ext>
+            </a:extLst>
+          </p:cNvPr>
+          <p:cNvSpPr txBox="1"/>
+          <p:nvPr/>
+        </p:nvSpPr>
+        <p:spPr>
+          <a:xfrm>
+            <a:off x="378252" y="1390897"/>
+            <a:ext cx="6098344" cy="4031873"/>
+          </a:xfrm>
+          <a:prstGeom prst="rect">
+            <a:avLst/>
+          </a:prstGeom>
+          <a:noFill/>
+        </p:spPr>
+        <p:txBody>
+          <a:bodyPr wrap="square">
+            <a:spAutoFit/>
+          </a:bodyPr>
+          <a:lstStyle/>
+          <a:p>
+            <a:pPr algn="just"/>
+            <a:r>
+              <a:rPr lang="pt-BR" sz="2200" dirty="0">
+                <a:ea typeface="Calibri" panose="020F0502020204030204" pitchFamily="34" charset="0"/>
+                <a:cs typeface="Times New Roman" panose="02020603050405020304" pitchFamily="18" charset="0"/>
+              </a:rPr>
+              <a:t>O Projeto surgiu da chamada a contribuição com os o</a:t>
+            </a:r>
+            <a:r>
+              <a:rPr lang="pt-BR" sz="2200" dirty="0">
+                <a:solidFill>
+                  <a:srgbClr val="000000"/>
+                </a:solidFill>
+                <a:effectLst/>
+                <a:ea typeface="Times New Roman" panose="02020603050405020304" pitchFamily="18" charset="0"/>
+                <a:cs typeface="Times New Roman" panose="02020603050405020304" pitchFamily="18" charset="0"/>
+              </a:rPr>
+              <a:t>bjetivos de Desenvolvimento Sustentável, Nações Unidas agenda 2030 no Brasil, apelo global à ação para acabar com a pobreza, proteger o meio ambiente e o clima e garantir que as pessoas, em todos os lugares, possam desfrutar de paz e de prosperidade. </a:t>
+            </a:r>
+          </a:p>
+          <a:p>
+            <a:pPr algn="just"/>
+            <a:endParaRPr lang="pt-BR" sz="2200" b="1" dirty="0">
+              <a:solidFill>
+                <a:srgbClr val="000000"/>
+              </a:solidFill>
+              <a:effectLst/>
+              <a:ea typeface="Times New Roman" panose="02020603050405020304" pitchFamily="18" charset="0"/>
+              <a:cs typeface="Times New Roman" panose="02020603050405020304" pitchFamily="18" charset="0"/>
+            </a:endParaRPr>
+          </a:p>
+          <a:p>
+            <a:pPr algn="just"/>
+            <a:r>
+              <a:rPr lang="pt-BR" sz="2200" b="1" dirty="0">
+                <a:solidFill>
+                  <a:srgbClr val="000000"/>
+                </a:solidFill>
+                <a:effectLst/>
+                <a:ea typeface="Times New Roman" panose="02020603050405020304" pitchFamily="18" charset="0"/>
+                <a:cs typeface="Times New Roman" panose="02020603050405020304" pitchFamily="18" charset="0"/>
+              </a:rPr>
+              <a:t>Objetivo 7. </a:t>
+            </a:r>
+            <a:r>
+              <a:rPr lang="pt-BR" sz="2200" dirty="0">
+                <a:solidFill>
+                  <a:srgbClr val="000000"/>
+                </a:solidFill>
+                <a:effectLst/>
+                <a:ea typeface="Times New Roman" panose="02020603050405020304" pitchFamily="18" charset="0"/>
+                <a:cs typeface="Times New Roman" panose="02020603050405020304" pitchFamily="18" charset="0"/>
+              </a:rPr>
+              <a:t>Assegurar o acesso confiável, sustentável, moderno e a preço acessível à energia para todas e todos.</a:t>
+            </a:r>
+            <a:endParaRPr lang="pt-BR" sz="1400" dirty="0">
+              <a:effectLst/>
+              <a:ea typeface="Calibri" panose="020F0502020204030204" pitchFamily="34" charset="0"/>
+              <a:cs typeface="Times New Roman" panose="02020603050405020304" pitchFamily="18" charset="0"/>
+            </a:endParaRPr>
+          </a:p>
+          <a:p>
+            <a:r>
+              <a:rPr lang="pt-BR" sz="1400" dirty="0">
+                <a:solidFill>
+                  <a:srgbClr val="FF0000"/>
+                </a:solidFill>
+                <a:ea typeface="Calibri" panose="020F0502020204030204" pitchFamily="34" charset="0"/>
+                <a:cs typeface="Times New Roman" panose="02020603050405020304" pitchFamily="18" charset="0"/>
+              </a:rPr>
+              <a:t> </a:t>
+            </a:r>
+            <a:endParaRPr lang="pt-BR" sz="1400" dirty="0"/>
+          </a:p>
+        </p:txBody>
+      </p:sp>
+      <p:pic>
+        <p:nvPicPr>
+          <p:cNvPr id="4" name="Imagem 3">
+            <a:extLst>
+              <a:ext uri="{FF2B5EF4-FFF2-40B4-BE49-F238E27FC236}">
+                <a16:creationId xmlns:a16="http://schemas.microsoft.com/office/drawing/2014/main" id="{99A16BD4-A6FE-41B8-AA02-9ACE3EF00C00}"/>
+              </a:ext>
+            </a:extLst>
+          </p:cNvPr>
+          <p:cNvPicPr>
+            <a:picLocks noChangeAspect="1"/>
+          </p:cNvPicPr>
+          <p:nvPr/>
+        </p:nvPicPr>
+        <p:blipFill>
+          <a:blip r:embed="rId3"/>
+          <a:stretch>
+            <a:fillRect/>
+          </a:stretch>
+        </p:blipFill>
+        <p:spPr>
+          <a:xfrm>
+            <a:off x="6933796" y="4109270"/>
+            <a:ext cx="4318301" cy="2247080"/>
+          </a:xfrm>
+          <a:prstGeom prst="rect">
+            <a:avLst/>
+          </a:prstGeom>
+        </p:spPr>
+      </p:pic>
+    </p:spTree>
+    <p:extLst>
+      <p:ext uri="{BB962C8B-B14F-4D97-AF65-F5344CB8AC3E}">
+        <p14:creationId xmlns:p14="http://schemas.microsoft.com/office/powerpoint/2010/main" val="2778759226"/>
+      </p:ext>
+    </p:extLst>
+  </p:cSld>
+  <p:clrMapOvr>
+    <a:masterClrMapping/>
+  </p:clrMapOvr>
+</p:sld>
+</file>
+
+<file path=ppt/slides/slide3.xml><?xml version="1.0" encoding="utf-8"?>
+<p:sld xmlns:a="http://schemas.openxmlformats.org/drawingml/2006/main" xmlns:r="http://schemas.openxmlformats.org/officeDocument/2006/relationships" xmlns:p="http://schemas.openxmlformats.org/presentationml/2006/main">
+  <p:cSld>
+    <p:spTree>
+      <p:nvGrpSpPr>
+        <p:cNvPr id="1" name=""/>
+        <p:cNvGrpSpPr/>
+        <p:nvPr/>
+      </p:nvGrpSpPr>
+      <p:grpSpPr>
+        <a:xfrm>
+          <a:off x="0" y="0"/>
+          <a:ext cx="0" cy="0"/>
+          <a:chOff x="0" y="0"/>
+          <a:chExt cx="0" cy="0"/>
+        </a:xfrm>
+      </p:grpSpPr>
+      <p:sp>
+        <p:nvSpPr>
           <p:cNvPr id="2" name="Google Shape;49;p5">
             <a:extLst>
               <a:ext uri="{FF2B5EF4-FFF2-40B4-BE49-F238E27FC236}">
@@ -4184,7 +4526,7 @@
                   <a:schemeClr val="tx1"/>
                 </a:solidFill>
               </a:rPr>
-              <a:t>2</a:t>
+              <a:t>3</a:t>
             </a:fld>
             <a:endParaRPr lang="pt-BR" sz="2500">
               <a:solidFill>
@@ -4254,7 +4596,7 @@
 </p:sld>
 </file>
 
-<file path=ppt/slides/slide3.xml><?xml version="1.0" encoding="utf-8"?>
+<file path=ppt/slides/slide4.xml><?xml version="1.0" encoding="utf-8"?>
 <p:sld xmlns:a="http://schemas.openxmlformats.org/drawingml/2006/main" xmlns:r="http://schemas.openxmlformats.org/officeDocument/2006/relationships" xmlns:p="http://schemas.openxmlformats.org/presentationml/2006/main">
   <p:cSld>
     <p:spTree>
@@ -4492,7 +4834,7 @@
                   <a:schemeClr val="tx1"/>
                 </a:solidFill>
               </a:rPr>
-              <a:t>3</a:t>
+              <a:t>4</a:t>
             </a:fld>
             <a:endParaRPr lang="pt-BR" sz="2500">
               <a:solidFill>
@@ -4608,8 +4950,8 @@
         </p:blipFill>
         <p:spPr bwMode="auto">
           <a:xfrm>
-            <a:off x="6259443" y="4041856"/>
-            <a:ext cx="4858999" cy="2314493"/>
+            <a:off x="6259443" y="3998154"/>
+            <a:ext cx="4858999" cy="2406484"/>
           </a:xfrm>
           <a:prstGeom prst="rect">
             <a:avLst/>
@@ -4686,525 +5028,6 @@
 </p:sld>
 </file>
 
-<file path=ppt/slides/slide4.xml><?xml version="1.0" encoding="utf-8"?>
-<p:sld xmlns:a="http://schemas.openxmlformats.org/drawingml/2006/main" xmlns:r="http://schemas.openxmlformats.org/officeDocument/2006/relationships" xmlns:p="http://schemas.openxmlformats.org/presentationml/2006/main">
-  <p:cSld>
-    <p:spTree>
-      <p:nvGrpSpPr>
-        <p:cNvPr id="1" name=""/>
-        <p:cNvGrpSpPr/>
-        <p:nvPr/>
-      </p:nvGrpSpPr>
-      <p:grpSpPr>
-        <a:xfrm>
-          <a:off x="0" y="0"/>
-          <a:ext cx="0" cy="0"/>
-          <a:chOff x="0" y="0"/>
-          <a:chExt cx="0" cy="0"/>
-        </a:xfrm>
-      </p:grpSpPr>
-      <p:sp>
-        <p:nvSpPr>
-          <p:cNvPr id="3" name="CaixaDeTexto 2">
-            <a:extLst>
-              <a:ext uri="{FF2B5EF4-FFF2-40B4-BE49-F238E27FC236}">
-                <a16:creationId xmlns:a16="http://schemas.microsoft.com/office/drawing/2014/main" id="{C4E4B2FD-EA94-46F9-8957-15BE8504D9BB}"/>
-              </a:ext>
-            </a:extLst>
-          </p:cNvPr>
-          <p:cNvSpPr txBox="1"/>
-          <p:nvPr/>
-        </p:nvSpPr>
-        <p:spPr>
-          <a:xfrm>
-            <a:off x="970670" y="136525"/>
-            <a:ext cx="9847385" cy="1384995"/>
-          </a:xfrm>
-          <a:prstGeom prst="rect">
-            <a:avLst/>
-          </a:prstGeom>
-          <a:noFill/>
-        </p:spPr>
-        <p:txBody>
-          <a:bodyPr wrap="square">
-            <a:spAutoFit/>
-          </a:bodyPr>
-          <a:lstStyle/>
-          <a:p>
-            <a:pPr algn="ctr"/>
-            <a:r>
-              <a:rPr lang="en-US" sz="2800" b="1" dirty="0">
-                <a:latin typeface="Arial Black"/>
-                <a:sym typeface="Arial Black"/>
-              </a:rPr>
-              <a:t>PROJETO</a:t>
-            </a:r>
-          </a:p>
-          <a:p>
-            <a:pPr algn="ctr"/>
-            <a:r>
-              <a:rPr lang="pt-BR" sz="2800" b="1" i="0" u="none" dirty="0">
-                <a:latin typeface="Arial"/>
-                <a:ea typeface="Arial"/>
-                <a:cs typeface="Arial"/>
-                <a:sym typeface="Arial"/>
-              </a:rPr>
-              <a:t>Usinas Fotovoltaicas - </a:t>
-            </a:r>
-            <a:r>
-              <a:rPr lang="pt-BR" sz="2800" b="1" dirty="0"/>
-              <a:t>Energia limpa, sustentável e acessível</a:t>
-            </a:r>
-            <a:endParaRPr lang="pt-BR" sz="3600" b="1" dirty="0"/>
-          </a:p>
-          <a:p>
-            <a:pPr algn="ctr"/>
-            <a:endParaRPr lang="pt-BR" sz="2800" dirty="0"/>
-          </a:p>
-        </p:txBody>
-      </p:sp>
-      <p:sp>
-        <p:nvSpPr>
-          <p:cNvPr id="6" name="Espaço Reservado para Rodapé 5">
-            <a:extLst>
-              <a:ext uri="{FF2B5EF4-FFF2-40B4-BE49-F238E27FC236}">
-                <a16:creationId xmlns:a16="http://schemas.microsoft.com/office/drawing/2014/main" id="{88955371-7B1B-4F45-8E0F-2D8778641381}"/>
-              </a:ext>
-            </a:extLst>
-          </p:cNvPr>
-          <p:cNvSpPr>
-            <a:spLocks noGrp="1"/>
-          </p:cNvSpPr>
-          <p:nvPr>
-            <p:ph type="ftr" sz="quarter" idx="11"/>
-          </p:nvPr>
-        </p:nvSpPr>
-        <p:spPr/>
-        <p:txBody>
-          <a:bodyPr/>
-          <a:lstStyle/>
-          <a:p>
-            <a:r>
-              <a:rPr lang="pt-BR" sz="1600" dirty="0">
-                <a:solidFill>
-                  <a:schemeClr val="tx1"/>
-                </a:solidFill>
-              </a:rPr>
-              <a:t>Grupo Eco Energy-21</a:t>
-            </a:r>
-          </a:p>
-        </p:txBody>
-      </p:sp>
-      <p:sp>
-        <p:nvSpPr>
-          <p:cNvPr id="8" name="Espaço Reservado para Número de Slide 7">
-            <a:extLst>
-              <a:ext uri="{FF2B5EF4-FFF2-40B4-BE49-F238E27FC236}">
-                <a16:creationId xmlns:a16="http://schemas.microsoft.com/office/drawing/2014/main" id="{273E7CE3-7453-4B12-99B7-327A5F637046}"/>
-              </a:ext>
-            </a:extLst>
-          </p:cNvPr>
-          <p:cNvSpPr>
-            <a:spLocks noGrp="1"/>
-          </p:cNvSpPr>
-          <p:nvPr>
-            <p:ph type="sldNum" sz="quarter" idx="12"/>
-          </p:nvPr>
-        </p:nvSpPr>
-        <p:spPr/>
-        <p:txBody>
-          <a:bodyPr/>
-          <a:lstStyle/>
-          <a:p>
-            <a:fld id="{24F432EC-2972-46C7-97C1-1EB75B8CBA8A}" type="slidenum">
-              <a:rPr lang="pt-BR" sz="2500" smtClean="0">
-                <a:solidFill>
-                  <a:schemeClr val="tx1"/>
-                </a:solidFill>
-              </a:rPr>
-              <a:t>4</a:t>
-            </a:fld>
-            <a:endParaRPr lang="pt-BR" sz="2500">
-              <a:solidFill>
-                <a:schemeClr val="tx1"/>
-              </a:solidFill>
-            </a:endParaRPr>
-          </a:p>
-        </p:txBody>
-      </p:sp>
-      <p:pic>
-        <p:nvPicPr>
-          <p:cNvPr id="3074" name="Picture 2" descr="Você sabe como funcionam as parcerias entre empresas?">
-            <a:extLst>
-              <a:ext uri="{FF2B5EF4-FFF2-40B4-BE49-F238E27FC236}">
-                <a16:creationId xmlns:a16="http://schemas.microsoft.com/office/drawing/2014/main" id="{97A6FE06-8228-49DE-9AE4-06CCDC54C135}"/>
-              </a:ext>
-            </a:extLst>
-          </p:cNvPr>
-          <p:cNvPicPr>
-            <a:picLocks noChangeAspect="1" noChangeArrowheads="1"/>
-          </p:cNvPicPr>
-          <p:nvPr/>
-        </p:nvPicPr>
-        <p:blipFill>
-          <a:blip r:embed="rId2">
-            <a:extLst>
-              <a:ext uri="{28A0092B-C50C-407E-A947-70E740481C1C}">
-                <a14:useLocalDpi xmlns:a14="http://schemas.microsoft.com/office/drawing/2010/main" val="0"/>
-              </a:ext>
-            </a:extLst>
-          </a:blip>
-          <a:srcRect/>
-          <a:stretch>
-            <a:fillRect/>
-          </a:stretch>
-        </p:blipFill>
-        <p:spPr bwMode="auto">
-          <a:xfrm>
-            <a:off x="6933796" y="1256111"/>
-            <a:ext cx="4287534" cy="2853159"/>
-          </a:xfrm>
-          <a:prstGeom prst="rect">
-            <a:avLst/>
-          </a:prstGeom>
-          <a:noFill/>
-          <a:extLst>
-            <a:ext uri="{909E8E84-426E-40DD-AFC4-6F175D3DCCD1}">
-              <a14:hiddenFill xmlns:a14="http://schemas.microsoft.com/office/drawing/2010/main">
-                <a:solidFill>
-                  <a:srgbClr val="FFFFFF"/>
-                </a:solidFill>
-              </a14:hiddenFill>
-            </a:ext>
-          </a:extLst>
-        </p:spPr>
-      </p:pic>
-      <p:sp>
-        <p:nvSpPr>
-          <p:cNvPr id="10" name="CaixaDeTexto 9">
-            <a:extLst>
-              <a:ext uri="{FF2B5EF4-FFF2-40B4-BE49-F238E27FC236}">
-                <a16:creationId xmlns:a16="http://schemas.microsoft.com/office/drawing/2014/main" id="{4B1C4A13-D8DA-474D-96C1-815569F9D6E0}"/>
-              </a:ext>
-            </a:extLst>
-          </p:cNvPr>
-          <p:cNvSpPr txBox="1"/>
-          <p:nvPr/>
-        </p:nvSpPr>
-        <p:spPr>
-          <a:xfrm>
-            <a:off x="209148" y="983770"/>
-            <a:ext cx="6098344" cy="6217408"/>
-          </a:xfrm>
-          <a:prstGeom prst="rect">
-            <a:avLst/>
-          </a:prstGeom>
-          <a:noFill/>
-        </p:spPr>
-        <p:txBody>
-          <a:bodyPr wrap="square">
-            <a:spAutoFit/>
-          </a:bodyPr>
-          <a:lstStyle/>
-          <a:p>
-            <a:r>
-              <a:rPr lang="pt-BR" sz="1400" dirty="0">
-                <a:ea typeface="Calibri" panose="020F0502020204030204" pitchFamily="34" charset="0"/>
-                <a:cs typeface="Times New Roman" panose="02020603050405020304" pitchFamily="18" charset="0"/>
-              </a:rPr>
-              <a:t>O Projeto surgiu da chamada a contribuição com os o</a:t>
-            </a:r>
-            <a:r>
-              <a:rPr lang="pt-BR" sz="1400" dirty="0">
-                <a:solidFill>
-                  <a:srgbClr val="000000"/>
-                </a:solidFill>
-                <a:effectLst/>
-                <a:ea typeface="Times New Roman" panose="02020603050405020304" pitchFamily="18" charset="0"/>
-                <a:cs typeface="Times New Roman" panose="02020603050405020304" pitchFamily="18" charset="0"/>
-              </a:rPr>
-              <a:t>bjetivos de Desenvolvimento Sustentável, Nações Unidas agenda 2030 no Brasil, apelo global à ação para acabar com a pobreza, proteger o meio ambiente e o clima e garantir que as pessoas, em todos os lugares, possam desfrutar de paz e de prosperidade. </a:t>
-            </a:r>
-          </a:p>
-          <a:p>
-            <a:endParaRPr lang="pt-BR" sz="1400" b="1" dirty="0">
-              <a:solidFill>
-                <a:srgbClr val="000000"/>
-              </a:solidFill>
-              <a:effectLst/>
-              <a:ea typeface="Times New Roman" panose="02020603050405020304" pitchFamily="18" charset="0"/>
-              <a:cs typeface="Times New Roman" panose="02020603050405020304" pitchFamily="18" charset="0"/>
-            </a:endParaRPr>
-          </a:p>
-          <a:p>
-            <a:r>
-              <a:rPr lang="pt-BR" sz="1400" b="1" dirty="0">
-                <a:solidFill>
-                  <a:srgbClr val="000000"/>
-                </a:solidFill>
-                <a:effectLst/>
-                <a:ea typeface="Times New Roman" panose="02020603050405020304" pitchFamily="18" charset="0"/>
-                <a:cs typeface="Times New Roman" panose="02020603050405020304" pitchFamily="18" charset="0"/>
-              </a:rPr>
-              <a:t>Objetivo 7. </a:t>
-            </a:r>
-            <a:r>
-              <a:rPr lang="pt-BR" sz="1400" dirty="0">
-                <a:solidFill>
-                  <a:srgbClr val="000000"/>
-                </a:solidFill>
-                <a:effectLst/>
-                <a:ea typeface="Times New Roman" panose="02020603050405020304" pitchFamily="18" charset="0"/>
-                <a:cs typeface="Times New Roman" panose="02020603050405020304" pitchFamily="18" charset="0"/>
-              </a:rPr>
-              <a:t>Assegurar o acesso confiável, sustentável, moderno e a preço acessível à energia para todas e todos.</a:t>
-            </a:r>
-          </a:p>
-          <a:p>
-            <a:pPr>
-              <a:lnSpc>
-                <a:spcPct val="107000"/>
-              </a:lnSpc>
-              <a:spcAft>
-                <a:spcPts val="800"/>
-              </a:spcAft>
-            </a:pPr>
-            <a:r>
-              <a:rPr lang="pt-BR" sz="1400" b="1" dirty="0">
-                <a:solidFill>
-                  <a:srgbClr val="000000"/>
-                </a:solidFill>
-                <a:effectLst/>
-                <a:ea typeface="Times New Roman" panose="02020603050405020304" pitchFamily="18" charset="0"/>
-                <a:cs typeface="Times New Roman" panose="02020603050405020304" pitchFamily="18" charset="0"/>
-              </a:rPr>
-              <a:t>7.1 </a:t>
-            </a:r>
-            <a:r>
-              <a:rPr lang="pt-BR" sz="1400" dirty="0">
-                <a:solidFill>
-                  <a:srgbClr val="000000"/>
-                </a:solidFill>
-                <a:effectLst/>
-                <a:ea typeface="Times New Roman" panose="02020603050405020304" pitchFamily="18" charset="0"/>
-                <a:cs typeface="Times New Roman" panose="02020603050405020304" pitchFamily="18" charset="0"/>
-              </a:rPr>
-              <a:t>Até 2030, assegurar o acesso universal, confiável, moderno e a preços acessíveis a serviços de energia.</a:t>
-            </a:r>
-          </a:p>
-          <a:p>
-            <a:pPr>
-              <a:lnSpc>
-                <a:spcPct val="107000"/>
-              </a:lnSpc>
-              <a:spcAft>
-                <a:spcPts val="800"/>
-              </a:spcAft>
-            </a:pPr>
-            <a:r>
-              <a:rPr lang="pt-BR" sz="1400" b="1" dirty="0">
-                <a:solidFill>
-                  <a:srgbClr val="000000"/>
-                </a:solidFill>
-                <a:effectLst/>
-                <a:ea typeface="Times New Roman" panose="02020603050405020304" pitchFamily="18" charset="0"/>
-                <a:cs typeface="Times New Roman" panose="02020603050405020304" pitchFamily="18" charset="0"/>
-              </a:rPr>
-              <a:t>7.2</a:t>
-            </a:r>
-            <a:r>
-              <a:rPr lang="pt-BR" sz="1400" dirty="0">
-                <a:solidFill>
-                  <a:srgbClr val="000000"/>
-                </a:solidFill>
-                <a:effectLst/>
-                <a:ea typeface="Times New Roman" panose="02020603050405020304" pitchFamily="18" charset="0"/>
-                <a:cs typeface="Times New Roman" panose="02020603050405020304" pitchFamily="18" charset="0"/>
-              </a:rPr>
-              <a:t> Até 2030, aumentar substancialmente a participação de energias renováveis na matriz energética global</a:t>
-            </a:r>
-            <a:endParaRPr lang="pt-BR" sz="1400" dirty="0">
-              <a:effectLst/>
-              <a:ea typeface="Calibri" panose="020F0502020204030204" pitchFamily="34" charset="0"/>
-              <a:cs typeface="Times New Roman" panose="02020603050405020304" pitchFamily="18" charset="0"/>
-            </a:endParaRPr>
-          </a:p>
-          <a:p>
-            <a:pPr>
-              <a:lnSpc>
-                <a:spcPct val="107000"/>
-              </a:lnSpc>
-              <a:spcAft>
-                <a:spcPts val="800"/>
-              </a:spcAft>
-            </a:pPr>
-            <a:r>
-              <a:rPr lang="pt-BR" sz="1400" b="1" dirty="0">
-                <a:solidFill>
-                  <a:srgbClr val="000000"/>
-                </a:solidFill>
-                <a:effectLst/>
-                <a:ea typeface="Times New Roman" panose="02020603050405020304" pitchFamily="18" charset="0"/>
-                <a:cs typeface="Times New Roman" panose="02020603050405020304" pitchFamily="18" charset="0"/>
-              </a:rPr>
-              <a:t>7.3</a:t>
-            </a:r>
-            <a:r>
-              <a:rPr lang="pt-BR" sz="1400" dirty="0">
-                <a:solidFill>
-                  <a:srgbClr val="000000"/>
-                </a:solidFill>
-                <a:effectLst/>
-                <a:ea typeface="Times New Roman" panose="02020603050405020304" pitchFamily="18" charset="0"/>
-                <a:cs typeface="Times New Roman" panose="02020603050405020304" pitchFamily="18" charset="0"/>
-              </a:rPr>
-              <a:t> Até 2030, dobrar a taxa global de melhoria da eficiência energética</a:t>
-            </a:r>
-            <a:endParaRPr lang="pt-BR" sz="1400" dirty="0">
-              <a:effectLst/>
-              <a:ea typeface="Calibri" panose="020F0502020204030204" pitchFamily="34" charset="0"/>
-              <a:cs typeface="Times New Roman" panose="02020603050405020304" pitchFamily="18" charset="0"/>
-            </a:endParaRPr>
-          </a:p>
-          <a:p>
-            <a:pPr>
-              <a:lnSpc>
-                <a:spcPct val="107000"/>
-              </a:lnSpc>
-              <a:spcAft>
-                <a:spcPts val="800"/>
-              </a:spcAft>
-            </a:pPr>
-            <a:r>
-              <a:rPr lang="pt-BR" sz="1400" b="1" dirty="0">
-                <a:solidFill>
-                  <a:srgbClr val="000000"/>
-                </a:solidFill>
-                <a:effectLst/>
-                <a:ea typeface="Times New Roman" panose="02020603050405020304" pitchFamily="18" charset="0"/>
-                <a:cs typeface="Times New Roman" panose="02020603050405020304" pitchFamily="18" charset="0"/>
-              </a:rPr>
-              <a:t>7.a</a:t>
-            </a:r>
-            <a:r>
-              <a:rPr lang="pt-BR" sz="1400" dirty="0">
-                <a:solidFill>
-                  <a:srgbClr val="000000"/>
-                </a:solidFill>
-                <a:effectLst/>
-                <a:ea typeface="Times New Roman" panose="02020603050405020304" pitchFamily="18" charset="0"/>
-                <a:cs typeface="Times New Roman" panose="02020603050405020304" pitchFamily="18" charset="0"/>
-              </a:rPr>
-              <a:t> Até 2030, reforçar a cooperação internacional para facilitar o acesso a pesquisa e tecnologias de energia limpa, incluindo energias renováveis, eficiência energética e tecnologias de combustíveis fósseis avançadas e mais limpas, e promover o investimento em infraestrutura de energia e em tecnologias de energia limpa</a:t>
-            </a:r>
-            <a:endParaRPr lang="pt-BR" sz="1400" dirty="0">
-              <a:effectLst/>
-              <a:ea typeface="Calibri" panose="020F0502020204030204" pitchFamily="34" charset="0"/>
-              <a:cs typeface="Times New Roman" panose="02020603050405020304" pitchFamily="18" charset="0"/>
-            </a:endParaRPr>
-          </a:p>
-          <a:p>
-            <a:pPr>
-              <a:lnSpc>
-                <a:spcPct val="107000"/>
-              </a:lnSpc>
-              <a:spcAft>
-                <a:spcPts val="800"/>
-              </a:spcAft>
-            </a:pPr>
-            <a:r>
-              <a:rPr lang="pt-BR" sz="1400" b="1" dirty="0">
-                <a:solidFill>
-                  <a:srgbClr val="000000"/>
-                </a:solidFill>
-                <a:effectLst/>
-                <a:ea typeface="Times New Roman" panose="02020603050405020304" pitchFamily="18" charset="0"/>
-                <a:cs typeface="Times New Roman" panose="02020603050405020304" pitchFamily="18" charset="0"/>
-              </a:rPr>
-              <a:t>7.b</a:t>
-            </a:r>
-            <a:r>
-              <a:rPr lang="pt-BR" sz="1400" dirty="0">
-                <a:solidFill>
-                  <a:srgbClr val="000000"/>
-                </a:solidFill>
-                <a:effectLst/>
-                <a:ea typeface="Times New Roman" panose="02020603050405020304" pitchFamily="18" charset="0"/>
-                <a:cs typeface="Times New Roman" panose="02020603050405020304" pitchFamily="18" charset="0"/>
-              </a:rPr>
-              <a:t> Até 2030, expandir a infraestrutura e modernizar a tecnologia para o fornecimento de serviços de energia modernos e sustentáveis para todos nos países em desenvolvimento, particularmente nos países menos desenvolvidos, nos pequenos Estados insulares em desenvolvimento e nos países em desenvolvimento sem litoral, de acordo com seus respectivos programas de apoio</a:t>
-            </a:r>
-            <a:endParaRPr lang="pt-BR" sz="1400" dirty="0">
-              <a:effectLst/>
-              <a:ea typeface="Calibri" panose="020F0502020204030204" pitchFamily="34" charset="0"/>
-              <a:cs typeface="Times New Roman" panose="02020603050405020304" pitchFamily="18" charset="0"/>
-            </a:endParaRPr>
-          </a:p>
-          <a:p>
-            <a:endParaRPr lang="pt-BR" sz="1400" dirty="0">
-              <a:effectLst/>
-              <a:ea typeface="Calibri" panose="020F0502020204030204" pitchFamily="34" charset="0"/>
-              <a:cs typeface="Times New Roman" panose="02020603050405020304" pitchFamily="18" charset="0"/>
-            </a:endParaRPr>
-          </a:p>
-          <a:p>
-            <a:r>
-              <a:rPr lang="pt-BR" sz="1400" dirty="0">
-                <a:solidFill>
-                  <a:srgbClr val="FF0000"/>
-                </a:solidFill>
-                <a:ea typeface="Calibri" panose="020F0502020204030204" pitchFamily="34" charset="0"/>
-                <a:cs typeface="Times New Roman" panose="02020603050405020304" pitchFamily="18" charset="0"/>
-              </a:rPr>
-              <a:t> </a:t>
-            </a:r>
-            <a:endParaRPr lang="pt-BR" sz="1400" dirty="0"/>
-          </a:p>
-        </p:txBody>
-      </p:sp>
-      <p:pic>
-        <p:nvPicPr>
-          <p:cNvPr id="4" name="Imagem 3">
-            <a:extLst>
-              <a:ext uri="{FF2B5EF4-FFF2-40B4-BE49-F238E27FC236}">
-                <a16:creationId xmlns:a16="http://schemas.microsoft.com/office/drawing/2014/main" id="{99A16BD4-A6FE-41B8-AA02-9ACE3EF00C00}"/>
-              </a:ext>
-            </a:extLst>
-          </p:cNvPr>
-          <p:cNvPicPr>
-            <a:picLocks noChangeAspect="1"/>
-          </p:cNvPicPr>
-          <p:nvPr/>
-        </p:nvPicPr>
-        <p:blipFill>
-          <a:blip r:embed="rId3"/>
-          <a:stretch>
-            <a:fillRect/>
-          </a:stretch>
-        </p:blipFill>
-        <p:spPr>
-          <a:xfrm>
-            <a:off x="6933796" y="4109270"/>
-            <a:ext cx="4318301" cy="2247080"/>
-          </a:xfrm>
-          <a:prstGeom prst="rect">
-            <a:avLst/>
-          </a:prstGeom>
-        </p:spPr>
-      </p:pic>
-    </p:spTree>
-    <p:extLst>
-      <p:ext uri="{BB962C8B-B14F-4D97-AF65-F5344CB8AC3E}">
-        <p14:creationId xmlns:p14="http://schemas.microsoft.com/office/powerpoint/2010/main" val="2778759226"/>
-      </p:ext>
-    </p:extLst>
-  </p:cSld>
-  <p:clrMapOvr>
-    <a:masterClrMapping/>
-  </p:clrMapOvr>
-</p:sld>
-</file>
-
 <file path=ppt/slides/slide5.xml><?xml version="1.0" encoding="utf-8"?>
 <p:sld xmlns:a="http://schemas.openxmlformats.org/drawingml/2006/main" xmlns:r="http://schemas.openxmlformats.org/officeDocument/2006/relationships" xmlns:p="http://schemas.openxmlformats.org/presentationml/2006/main">
   <p:cSld>
@@ -5244,8 +5067,12 @@
           <a:lstStyle/>
           <a:p>
             <a:r>
-              <a:rPr lang="pt-BR"/>
-              <a:t>Grupo Eco Energy</a:t>
+              <a:rPr lang="pt-BR" sz="1600" dirty="0">
+                <a:solidFill>
+                  <a:schemeClr val="tx1"/>
+                </a:solidFill>
+              </a:rPr>
+              <a:t>Grupo Eco Energy-21</a:t>
             </a:r>
           </a:p>
         </p:txBody>
@@ -5271,11 +5098,14 @@
           <a:bodyPr/>
           <a:lstStyle/>
           <a:p>
-            <a:fld id="{24F432EC-2972-46C7-97C1-1EB75B8CBA8A}" type="slidenum">
-              <a:rPr lang="pt-BR" smtClean="0"/>
+            <a:r>
+              <a:rPr lang="pt-BR" sz="2400" dirty="0">
+                <a:solidFill>
+                  <a:schemeClr val="tx1"/>
+                </a:solidFill>
+              </a:rPr>
               <a:t>5</a:t>
-            </a:fld>
-            <a:endParaRPr lang="pt-BR"/>
+            </a:r>
           </a:p>
         </p:txBody>
       </p:sp>
@@ -5703,9 +5533,39 @@
           <a:bodyPr/>
           <a:lstStyle/>
           <a:p>
-            <a:r>
-              <a:rPr lang="pt-BR"/>
-              <a:t>Grupo Eco Energy</a:t>
+            <a:pPr marL="0" marR="0" lvl="0" indent="0" algn="ctr" defTabSz="914400" rtl="0" eaLnBrk="1" fontAlgn="auto" latinLnBrk="0" hangingPunct="1">
+              <a:lnSpc>
+                <a:spcPct val="100000"/>
+              </a:lnSpc>
+              <a:spcBef>
+                <a:spcPts val="0"/>
+              </a:spcBef>
+              <a:spcAft>
+                <a:spcPts val="0"/>
+              </a:spcAft>
+              <a:buClrTx/>
+              <a:buSzTx/>
+              <a:buFontTx/>
+              <a:buNone/>
+              <a:tabLst/>
+              <a:defRPr/>
+            </a:pPr>
+            <a:r>
+              <a:rPr kumimoji="0" lang="pt-BR" sz="1600" b="0" i="0" u="none" strike="noStrike" kern="1200" cap="none" spc="0" normalizeH="0" baseline="0" noProof="0" dirty="0">
+                <a:ln>
+                  <a:noFill/>
+                </a:ln>
+                <a:solidFill>
+                  <a:prstClr val="black"/>
+                </a:solidFill>
+                <a:effectLst/>
+                <a:uLnTx/>
+                <a:uFillTx/>
+                <a:latin typeface="Calibri" panose="020F0502020204030204"/>
+                <a:ea typeface="+mn-ea"/>
+                <a:cs typeface="+mn-cs"/>
+              </a:rPr>
+              <a:t>Grupo Eco Energy-21</a:t>
             </a:r>
           </a:p>
         </p:txBody>
@@ -5731,11 +5591,53 @@
           <a:bodyPr/>
           <a:lstStyle/>
           <a:p>
-            <a:fld id="{24F432EC-2972-46C7-97C1-1EB75B8CBA8A}" type="slidenum">
-              <a:rPr lang="pt-BR" smtClean="0"/>
+            <a:pPr marL="0" marR="0" lvl="0" indent="0" algn="r" defTabSz="914400" rtl="0" eaLnBrk="1" fontAlgn="auto" latinLnBrk="0" hangingPunct="1">
+              <a:lnSpc>
+                <a:spcPct val="100000"/>
+              </a:lnSpc>
+              <a:spcBef>
+                <a:spcPts val="0"/>
+              </a:spcBef>
+              <a:spcAft>
+                <a:spcPts val="0"/>
+              </a:spcAft>
+              <a:buClrTx/>
+              <a:buSzTx/>
+              <a:buFontTx/>
+              <a:buNone/>
+              <a:tabLst/>
+              <a:defRPr/>
+            </a:pPr>
+            <a:r>
+              <a:rPr lang="pt-BR" sz="2500" dirty="0">
+                <a:solidFill>
+                  <a:prstClr val="black"/>
+                </a:solidFill>
+                <a:latin typeface="Calibri" panose="020F0502020204030204"/>
+              </a:rPr>
               <a:t>6</a:t>
-            </a:fld>
-            <a:endParaRPr lang="pt-BR"/>
+            </a:r>
+            <a:endParaRPr kumimoji="0" lang="pt-BR" sz="2500" b="0" i="0" u="none" strike="noStrike" kern="1200" cap="none" spc="0" normalizeH="0" baseline="0" noProof="0" dirty="0">
+              <a:ln>
+                <a:noFill/>
+              </a:ln>
+              <a:solidFill>
+                <a:prstClr val="black"/>
+              </a:solidFill>
+              <a:effectLst/>
+              <a:uLnTx/>
+              <a:uFillTx/>
+              <a:latin typeface="Calibri" panose="020F0502020204030204"/>
+              <a:ea typeface="+mn-ea"/>
+              <a:cs typeface="+mn-cs"/>
+            </a:endParaRPr>
+          </a:p>
+          <a:p>
+            <a:endParaRPr lang="pt-BR" sz="1200" dirty="0">
+              <a:solidFill>
+                <a:schemeClr val="tx1"/>
+              </a:solidFill>
+            </a:endParaRPr>
           </a:p>
         </p:txBody>
       </p:sp>
@@ -5934,9 +5836,39 @@
           <a:bodyPr/>
           <a:lstStyle/>
           <a:p>
-            <a:r>
-              <a:rPr lang="pt-BR"/>
-              <a:t>Grupo Eco Energy</a:t>
+            <a:pPr marL="0" marR="0" lvl="0" indent="0" algn="ctr" defTabSz="914400" rtl="0" eaLnBrk="1" fontAlgn="auto" latinLnBrk="0" hangingPunct="1">
+              <a:lnSpc>
+                <a:spcPct val="100000"/>
+              </a:lnSpc>
+              <a:spcBef>
+                <a:spcPts val="0"/>
+              </a:spcBef>
+              <a:spcAft>
+                <a:spcPts val="0"/>
+              </a:spcAft>
+              <a:buClrTx/>
+              <a:buSzTx/>
+              <a:buFontTx/>
+              <a:buNone/>
+              <a:tabLst/>
+              <a:defRPr/>
+            </a:pPr>
+            <a:r>
+              <a:rPr kumimoji="0" lang="pt-BR" sz="1600" b="0" i="0" u="none" strike="noStrike" kern="1200" cap="none" spc="0" normalizeH="0" baseline="0" noProof="0" dirty="0">
+                <a:ln>
+                  <a:noFill/>
+                </a:ln>
+                <a:solidFill>
+                  <a:prstClr val="black"/>
+                </a:solidFill>
+                <a:effectLst/>
+                <a:uLnTx/>
+                <a:uFillTx/>
+                <a:latin typeface="Calibri" panose="020F0502020204030204"/>
+                <a:ea typeface="+mn-ea"/>
+                <a:cs typeface="+mn-cs"/>
+              </a:rPr>
+              <a:t>Grupo Eco Energy-21</a:t>
             </a:r>
           </a:p>
         </p:txBody>
@@ -5962,11 +5894,46 @@
           <a:bodyPr/>
           <a:lstStyle/>
           <a:p>
-            <a:fld id="{24F432EC-2972-46C7-97C1-1EB75B8CBA8A}" type="slidenum">
-              <a:rPr lang="pt-BR" smtClean="0"/>
+            <a:pPr marL="0" marR="0" lvl="0" indent="0" algn="r" defTabSz="914400" rtl="0" eaLnBrk="1" fontAlgn="auto" latinLnBrk="0" hangingPunct="1">
+              <a:lnSpc>
+                <a:spcPct val="100000"/>
+              </a:lnSpc>
+              <a:spcBef>
+                <a:spcPts val="0"/>
+              </a:spcBef>
+              <a:spcAft>
+                <a:spcPts val="0"/>
+              </a:spcAft>
+              <a:buClrTx/>
+              <a:buSzTx/>
+              <a:buFontTx/>
+              <a:buNone/>
+              <a:tabLst/>
+              <a:defRPr/>
+            </a:pPr>
+            <a:r>
+              <a:rPr lang="pt-BR" sz="2500" dirty="0">
+                <a:solidFill>
+                  <a:prstClr val="black"/>
+                </a:solidFill>
+                <a:latin typeface="Calibri" panose="020F0502020204030204"/>
+              </a:rPr>
               <a:t>7</a:t>
-            </a:fld>
-            <a:endParaRPr lang="pt-BR"/>
+            </a:r>
+            <a:endParaRPr kumimoji="0" lang="pt-BR" sz="2500" b="0" i="0" u="none" strike="noStrike" kern="1200" cap="none" spc="0" normalizeH="0" baseline="0" noProof="0" dirty="0">
+              <a:ln>
+                <a:noFill/>
+              </a:ln>
+              <a:solidFill>
+                <a:prstClr val="black"/>
+              </a:solidFill>
+              <a:effectLst/>
+              <a:uLnTx/>
+              <a:uFillTx/>
+              <a:latin typeface="Calibri" panose="020F0502020204030204"/>
+              <a:ea typeface="+mn-ea"/>
+              <a:cs typeface="+mn-cs"/>
+            </a:endParaRPr>
           </a:p>
         </p:txBody>
       </p:sp>
@@ -6130,15 +6097,7 @@
             <a:pPr algn="just"/>
             <a:r>
               <a:rPr lang="pt-BR" sz="2400" dirty="0"/>
-              <a:t>Sistema em </a:t>
-            </a:r>
-            <a:r>
-              <a:rPr lang="pt-BR" sz="2400" dirty="0" err="1"/>
-              <a:t>dekstop</a:t>
-            </a:r>
-            <a:r>
-              <a:rPr lang="pt-BR" sz="2400" dirty="0"/>
-              <a:t>, mobile e um site;</a:t>
+              <a:t>Sistema em desktop, mobile e um site;</a:t>
             </a:r>
           </a:p>
           <a:p>
@@ -6190,9 +6149,39 @@
           <a:bodyPr/>
           <a:lstStyle/>
           <a:p>
-            <a:r>
-              <a:rPr lang="pt-BR"/>
-              <a:t>Grupo Eco Energy</a:t>
+            <a:pPr marL="0" marR="0" lvl="0" indent="0" algn="ctr" defTabSz="914400" rtl="0" eaLnBrk="1" fontAlgn="auto" latinLnBrk="0" hangingPunct="1">
+              <a:lnSpc>
+                <a:spcPct val="100000"/>
+              </a:lnSpc>
+              <a:spcBef>
+                <a:spcPts val="0"/>
+              </a:spcBef>
+              <a:spcAft>
+                <a:spcPts val="0"/>
+              </a:spcAft>
+              <a:buClrTx/>
+              <a:buSzTx/>
+              <a:buFontTx/>
+              <a:buNone/>
+              <a:tabLst/>
+              <a:defRPr/>
+            </a:pPr>
+            <a:r>
+              <a:rPr kumimoji="0" lang="pt-BR" sz="1600" b="0" i="0" u="none" strike="noStrike" kern="1200" cap="none" spc="0" normalizeH="0" baseline="0" noProof="0" dirty="0">
+                <a:ln>
+                  <a:noFill/>
+                </a:ln>
+                <a:solidFill>
+                  <a:prstClr val="black"/>
+                </a:solidFill>
+                <a:effectLst/>
+                <a:uLnTx/>
+                <a:uFillTx/>
+                <a:latin typeface="Calibri" panose="020F0502020204030204"/>
+                <a:ea typeface="+mn-ea"/>
+                <a:cs typeface="+mn-cs"/>
+              </a:rPr>
+              <a:t>Grupo Eco Energy-21</a:t>
             </a:r>
           </a:p>
         </p:txBody>
@@ -6218,11 +6207,46 @@
           <a:bodyPr/>
           <a:lstStyle/>
           <a:p>
-            <a:fld id="{24F432EC-2972-46C7-97C1-1EB75B8CBA8A}" type="slidenum">
-              <a:rPr lang="pt-BR" smtClean="0"/>
+            <a:pPr marL="0" marR="0" lvl="0" indent="0" algn="r" defTabSz="914400" rtl="0" eaLnBrk="1" fontAlgn="auto" latinLnBrk="0" hangingPunct="1">
+              <a:lnSpc>
+                <a:spcPct val="100000"/>
+              </a:lnSpc>
+              <a:spcBef>
+                <a:spcPts val="0"/>
+              </a:spcBef>
+              <a:spcAft>
+                <a:spcPts val="0"/>
+              </a:spcAft>
+              <a:buClrTx/>
+              <a:buSzTx/>
+              <a:buFontTx/>
+              <a:buNone/>
+              <a:tabLst/>
+              <a:defRPr/>
+            </a:pPr>
+            <a:r>
+              <a:rPr lang="pt-BR" sz="2500" dirty="0">
+                <a:solidFill>
+                  <a:prstClr val="black"/>
+                </a:solidFill>
+                <a:latin typeface="Calibri" panose="020F0502020204030204"/>
+              </a:rPr>
               <a:t>8</a:t>
-            </a:fld>
-            <a:endParaRPr lang="pt-BR"/>
+            </a:r>
+            <a:endParaRPr kumimoji="0" lang="pt-BR" sz="2500" b="0" i="0" u="none" strike="noStrike" kern="1200" cap="none" spc="0" normalizeH="0" baseline="0" noProof="0" dirty="0">
+              <a:ln>
+                <a:noFill/>
+              </a:ln>
+              <a:solidFill>
+                <a:prstClr val="black"/>
+              </a:solidFill>
+              <a:effectLst/>
+              <a:uLnTx/>
+              <a:uFillTx/>
+              <a:latin typeface="Calibri" panose="020F0502020204030204"/>
+              <a:ea typeface="+mn-ea"/>
+              <a:cs typeface="+mn-cs"/>
+            </a:endParaRPr>
           </a:p>
         </p:txBody>
       </p:sp>
@@ -6277,6 +6301,309 @@
     <p:extLst>
       <p:ext uri="{BB962C8B-B14F-4D97-AF65-F5344CB8AC3E}">
         <p14:creationId xmlns:p14="http://schemas.microsoft.com/office/powerpoint/2010/main" val="3616684369"/>
+      </p:ext>
+    </p:extLst>
+  </p:cSld>
+  <p:clrMapOvr>
+    <a:masterClrMapping/>
+  </p:clrMapOvr>
+</p:sld>
+</file>
+
+<file path=ppt/slides/slide9.xml><?xml version="1.0" encoding="utf-8"?>
+<p:sld xmlns:a="http://schemas.openxmlformats.org/drawingml/2006/main" xmlns:r="http://schemas.openxmlformats.org/officeDocument/2006/relationships" xmlns:p="http://schemas.openxmlformats.org/presentationml/2006/main">
+  <p:cSld>
+    <p:spTree>
+      <p:nvGrpSpPr>
+        <p:cNvPr id="1" name=""/>
+        <p:cNvGrpSpPr/>
+        <p:nvPr/>
+      </p:nvGrpSpPr>
+      <p:grpSpPr>
+        <a:xfrm>
+          <a:off x="0" y="0"/>
+          <a:ext cx="0" cy="0"/>
+          <a:chOff x="0" y="0"/>
+          <a:chExt cx="0" cy="0"/>
+        </a:xfrm>
+      </p:grpSpPr>
+      <p:sp>
+        <p:nvSpPr>
+          <p:cNvPr id="2" name="Título 1">
+            <a:extLst>
+              <a:ext uri="{FF2B5EF4-FFF2-40B4-BE49-F238E27FC236}">
+                <a16:creationId xmlns:a16="http://schemas.microsoft.com/office/drawing/2014/main" id="{B2E70ABD-0DCB-4F00-8D4B-555EC8B54310}"/>
+              </a:ext>
+            </a:extLst>
+          </p:cNvPr>
+          <p:cNvSpPr>
+            <a:spLocks noGrp="1"/>
+          </p:cNvSpPr>
+          <p:nvPr>
+            <p:ph type="title"/>
+          </p:nvPr>
+        </p:nvSpPr>
+        <p:spPr/>
+        <p:txBody>
+          <a:bodyPr/>
+          <a:lstStyle/>
+          <a:p>
+            <a:pPr algn="ctr"/>
+            <a:r>
+              <a:rPr lang="pt-BR" b="1" dirty="0">
+                <a:latin typeface="Arial Black" panose="020B0A04020102020204" pitchFamily="34" charset="0"/>
+                <a:cs typeface="Arial" panose="020B0604020202020204" pitchFamily="34" charset="0"/>
+              </a:rPr>
+              <a:t>INTEGRANTES</a:t>
+            </a:r>
+          </a:p>
+        </p:txBody>
+      </p:sp>
+      <p:sp>
+        <p:nvSpPr>
+          <p:cNvPr id="3" name="Espaço Reservado para Conteúdo 2">
+            <a:extLst>
+              <a:ext uri="{FF2B5EF4-FFF2-40B4-BE49-F238E27FC236}">
+                <a16:creationId xmlns:a16="http://schemas.microsoft.com/office/drawing/2014/main" id="{FFC081C0-3609-47B0-88D6-94EF095E7795}"/>
+              </a:ext>
+            </a:extLst>
+          </p:cNvPr>
+          <p:cNvSpPr>
+            <a:spLocks noGrp="1"/>
+          </p:cNvSpPr>
+          <p:nvPr>
+            <p:ph idx="1"/>
+          </p:nvPr>
+        </p:nvSpPr>
+        <p:spPr/>
+        <p:txBody>
+          <a:bodyPr/>
+          <a:lstStyle/>
+          <a:p>
+            <a:r>
+              <a:rPr lang="pt-BR" dirty="0"/>
+              <a:t>Sergio </a:t>
+            </a:r>
+            <a:r>
+              <a:rPr lang="pt-BR" dirty="0" err="1"/>
+              <a:t>Pontelo</a:t>
+            </a:r>
+            <a:r>
+              <a:rPr lang="pt-BR" dirty="0"/>
+              <a:t> Franco; </a:t>
+            </a:r>
+          </a:p>
+          <a:p>
+            <a:r>
+              <a:rPr lang="pt-BR" dirty="0"/>
+              <a:t>Eduardo Sabino; </a:t>
+            </a:r>
+          </a:p>
+          <a:p>
+            <a:r>
+              <a:rPr lang="pt-BR" dirty="0"/>
+              <a:t>Breno Vinicius; </a:t>
+            </a:r>
+          </a:p>
+          <a:p>
+            <a:r>
+              <a:rPr lang="pt-BR" dirty="0"/>
+              <a:t>Sudário Gonçalves; </a:t>
+            </a:r>
+          </a:p>
+          <a:p>
+            <a:r>
+              <a:rPr lang="pt-BR" dirty="0"/>
+              <a:t>Nilton Jaber;</a:t>
+            </a:r>
+          </a:p>
+          <a:p>
+            <a:r>
+              <a:rPr lang="pt-BR" dirty="0"/>
+              <a:t>Carlos Roberto Rodrigues Júnior;</a:t>
+            </a:r>
+          </a:p>
+          <a:p>
+            <a:r>
+              <a:rPr lang="pt-BR" dirty="0"/>
+              <a:t>Mateus Cambraia.</a:t>
+            </a:r>
+          </a:p>
+        </p:txBody>
+      </p:sp>
+      <p:sp>
+        <p:nvSpPr>
+          <p:cNvPr id="4" name="Espaço Reservado para Rodapé 3">
+            <a:extLst>
+              <a:ext uri="{FF2B5EF4-FFF2-40B4-BE49-F238E27FC236}">
+                <a16:creationId xmlns:a16="http://schemas.microsoft.com/office/drawing/2014/main" id="{26174EAA-FB4F-45A3-9E20-4FDC0B4F240B}"/>
+              </a:ext>
+            </a:extLst>
+          </p:cNvPr>
+          <p:cNvSpPr>
+            <a:spLocks noGrp="1"/>
+          </p:cNvSpPr>
+          <p:nvPr>
+            <p:ph type="ftr" sz="quarter" idx="11"/>
+          </p:nvPr>
+        </p:nvSpPr>
+        <p:spPr/>
+        <p:txBody>
+          <a:bodyPr/>
+          <a:lstStyle/>
+          <a:p>
+            <a:pPr marL="0" marR="0" lvl="0" indent="0" algn="ctr" defTabSz="914400" rtl="0" eaLnBrk="1" fontAlgn="auto" latinLnBrk="0" hangingPunct="1">
+              <a:lnSpc>
+                <a:spcPct val="100000"/>
+              </a:lnSpc>
+              <a:spcBef>
+                <a:spcPts val="0"/>
+              </a:spcBef>
+              <a:spcAft>
+                <a:spcPts val="0"/>
+              </a:spcAft>
+              <a:buClrTx/>
+              <a:buSzTx/>
+              <a:buFontTx/>
+              <a:buNone/>
+              <a:tabLst/>
+              <a:defRPr/>
+            </a:pPr>
+            <a:r>
+              <a:rPr kumimoji="0" lang="pt-BR" sz="1600" b="0" i="0" u="none" strike="noStrike" kern="1200" cap="none" spc="0" normalizeH="0" baseline="0" noProof="0" dirty="0">
+                <a:ln>
+                  <a:noFill/>
+                </a:ln>
+                <a:solidFill>
+                  <a:prstClr val="black"/>
+                </a:solidFill>
+                <a:effectLst/>
+                <a:uLnTx/>
+                <a:uFillTx/>
+                <a:latin typeface="Calibri" panose="020F0502020204030204"/>
+                <a:ea typeface="+mn-ea"/>
+                <a:cs typeface="+mn-cs"/>
+              </a:rPr>
+              <a:t>Grupo Eco Energy-21</a:t>
+            </a:r>
+          </a:p>
+        </p:txBody>
+      </p:sp>
+      <p:sp>
+        <p:nvSpPr>
+          <p:cNvPr id="5" name="Espaço Reservado para Número de Slide 4">
+            <a:extLst>
+              <a:ext uri="{FF2B5EF4-FFF2-40B4-BE49-F238E27FC236}">
+                <a16:creationId xmlns:a16="http://schemas.microsoft.com/office/drawing/2014/main" id="{0D3648EA-D3E6-44D9-9D07-6DD95159EC55}"/>
+              </a:ext>
+            </a:extLst>
+          </p:cNvPr>
+          <p:cNvSpPr>
+            <a:spLocks noGrp="1"/>
+          </p:cNvSpPr>
+          <p:nvPr>
+            <p:ph type="sldNum" sz="quarter" idx="12"/>
+          </p:nvPr>
+        </p:nvSpPr>
+        <p:spPr/>
+        <p:txBody>
+          <a:bodyPr/>
+          <a:lstStyle/>
+          <a:p>
+            <a:pPr marL="0" marR="0" lvl="0" indent="0" algn="r" defTabSz="914400" rtl="0" eaLnBrk="1" fontAlgn="auto" latinLnBrk="0" hangingPunct="1">
+              <a:lnSpc>
+                <a:spcPct val="100000"/>
+              </a:lnSpc>
+              <a:spcBef>
+                <a:spcPts val="0"/>
+              </a:spcBef>
+              <a:spcAft>
+                <a:spcPts val="0"/>
+              </a:spcAft>
+              <a:buClrTx/>
+              <a:buSzTx/>
+              <a:buFontTx/>
+              <a:buNone/>
+              <a:tabLst/>
+              <a:defRPr/>
+            </a:pPr>
+            <a:r>
+              <a:rPr lang="pt-BR" sz="2500" dirty="0">
+                <a:solidFill>
+                  <a:prstClr val="black"/>
+                </a:solidFill>
+                <a:latin typeface="Calibri" panose="020F0502020204030204"/>
+              </a:rPr>
+              <a:t>9</a:t>
+            </a:r>
+            <a:endParaRPr kumimoji="0" lang="pt-BR" sz="2500" b="0" i="0" u="none" strike="noStrike" kern="1200" cap="none" spc="0" normalizeH="0" baseline="0" noProof="0" dirty="0">
+              <a:ln>
+                <a:noFill/>
+              </a:ln>
+              <a:solidFill>
+                <a:prstClr val="black"/>
+              </a:solidFill>
+              <a:effectLst/>
+              <a:uLnTx/>
+              <a:uFillTx/>
+              <a:latin typeface="Calibri" panose="020F0502020204030204"/>
+              <a:ea typeface="+mn-ea"/>
+              <a:cs typeface="+mn-cs"/>
+            </a:endParaRPr>
+          </a:p>
+        </p:txBody>
+      </p:sp>
+      <p:pic>
+        <p:nvPicPr>
+          <p:cNvPr id="1026" name="Picture 2" descr="5 passos para formar uma equipe de marketing de alta performance! - V20  Comunicação Estratégias Criativas">
+            <a:extLst>
+              <a:ext uri="{FF2B5EF4-FFF2-40B4-BE49-F238E27FC236}">
+                <a16:creationId xmlns:a16="http://schemas.microsoft.com/office/drawing/2014/main" id="{807DAC15-84FD-40A4-86E9-8B267B7C3FDA}"/>
+              </a:ext>
+            </a:extLst>
+          </p:cNvPr>
+          <p:cNvPicPr>
+            <a:picLocks noChangeAspect="1" noChangeArrowheads="1"/>
+          </p:cNvPicPr>
+          <p:nvPr/>
+        </p:nvPicPr>
+        <p:blipFill>
+          <a:blip r:embed="rId2">
+            <a:extLst>
+              <a:ext uri="{28A0092B-C50C-407E-A947-70E740481C1C}">
+                <a14:useLocalDpi xmlns:a14="http://schemas.microsoft.com/office/drawing/2010/main" val="0"/>
+              </a:ext>
+            </a:extLst>
+          </a:blip>
+          <a:srcRect/>
+          <a:stretch>
+            <a:fillRect/>
+          </a:stretch>
+        </p:blipFill>
+        <p:spPr bwMode="auto">
+          <a:xfrm>
+            <a:off x="6096000" y="1825625"/>
+            <a:ext cx="5479774" cy="3976587"/>
+          </a:xfrm>
+          <a:prstGeom prst="rect">
+            <a:avLst/>
+          </a:prstGeom>
+          <a:noFill/>
+          <a:extLst>
+            <a:ext uri="{909E8E84-426E-40DD-AFC4-6F175D3DCCD1}">
+              <a14:hiddenFill xmlns:a14="http://schemas.microsoft.com/office/drawing/2010/main">
+                <a:solidFill>
+                  <a:srgbClr val="FFFFFF"/>
+                </a:solidFill>
+              </a14:hiddenFill>
+            </a:ext>
+          </a:extLst>
+        </p:spPr>
+      </p:pic>
+    </p:spTree>
+    <p:extLst>
+      <p:ext uri="{BB962C8B-B14F-4D97-AF65-F5344CB8AC3E}">
+        <p14:creationId xmlns:p14="http://schemas.microsoft.com/office/powerpoint/2010/main" val="3523634738"/>
       </p:ext>
     </p:extLst>
   </p:cSld>
